--- a/제안서.pptx
+++ b/제안서.pptx
@@ -7348,8 +7348,8 @@
                 </p:nvSpPr>
                 <p:spPr>
                   <a:xfrm>
-                    <a:off x="6996323" y="3711005"/>
-                    <a:ext cx="1568699" cy="369332"/>
+                    <a:off x="6941340" y="3711005"/>
+                    <a:ext cx="1678665" cy="369332"/>
                   </a:xfrm>
                   <a:prstGeom prst="rect">
                     <a:avLst/>
@@ -7367,7 +7367,7 @@
                         <a:latin typeface="10X10" panose="020D0604000000000000" pitchFamily="50" charset="-127"/>
                         <a:ea typeface="야놀자 야체 B" panose="02020603020101020101"/>
                       </a:rPr>
-                      <a:t>2016150033 </a:t>
+                      <a:t> 2016150033 </a:t>
                     </a:r>
                     <a:endParaRPr lang="ko-KR" altLang="en-US" b="1" dirty="0">
                       <a:latin typeface="10X10" panose="020D0604000000000000" pitchFamily="50" charset="-127"/>
@@ -8207,10 +8207,10 @@
         </p:nvGrpSpPr>
         <p:grpSpPr>
           <a:xfrm>
-            <a:off x="1076959" y="3296282"/>
-            <a:ext cx="3979672" cy="1172116"/>
-            <a:chOff x="1015999" y="1355722"/>
-            <a:chExt cx="3979672" cy="1172116"/>
+            <a:off x="1006621" y="3296282"/>
+            <a:ext cx="4050010" cy="1172116"/>
+            <a:chOff x="945661" y="1355722"/>
+            <a:chExt cx="4050010" cy="1172116"/>
           </a:xfrm>
         </p:grpSpPr>
         <p:sp>
@@ -8293,7 +8293,7 @@
           </p:nvSpPr>
           <p:spPr>
             <a:xfrm>
-              <a:off x="1015999" y="1564641"/>
+              <a:off x="945661" y="1552918"/>
               <a:ext cx="274963" cy="274319"/>
             </a:xfrm>
             <a:prstGeom prst="rect">
@@ -8350,8 +8350,8 @@
         </p:nvSpPr>
         <p:spPr>
           <a:xfrm>
-            <a:off x="1456064" y="3790402"/>
-            <a:ext cx="6387455" cy="586058"/>
+            <a:off x="1397449" y="3872463"/>
+            <a:ext cx="9950490" cy="1694053"/>
           </a:xfrm>
           <a:prstGeom prst="rect">
             <a:avLst/>
@@ -8369,7 +8369,7 @@
               </a:lnSpc>
             </a:pPr>
             <a:r>
-              <a:rPr lang="ko-KR" altLang="en-US" sz="2400" b="1" dirty="0" err="1">
+              <a:rPr lang="ko-KR" altLang="en-US" sz="2400" b="1" dirty="0">
                 <a:solidFill>
                   <a:prstClr val="white">
                     <a:lumMod val="50000"/>
@@ -8377,7 +8377,7 @@
                 </a:solidFill>
                 <a:latin typeface="야놀자 야체B"/>
               </a:rPr>
-              <a:t>ㄱ</a:t>
+              <a:t>이제는 대중화된 코인 노래방의 위치를 효율적으로 확인하고 사람들이 </a:t>
             </a:r>
             <a:endParaRPr lang="en-US" altLang="ko-KR" sz="2400" b="1" dirty="0">
               <a:solidFill>
@@ -8387,6 +8387,35 @@
               </a:solidFill>
               <a:latin typeface="야놀자 야체B"/>
             </a:endParaRPr>
+          </a:p>
+          <a:p>
+            <a:pPr>
+              <a:lnSpc>
+                <a:spcPct val="150000"/>
+              </a:lnSpc>
+            </a:pPr>
+            <a:r>
+              <a:rPr lang="ko-KR" altLang="en-US" sz="2400" b="1" dirty="0">
+                <a:solidFill>
+                  <a:prstClr val="white">
+                    <a:lumMod val="50000"/>
+                  </a:prstClr>
+                </a:solidFill>
+                <a:latin typeface="야놀자 야체B"/>
+              </a:rPr>
+              <a:t>많이 찾는 코인 노래방에서 생기는 대기 시간으로 인한 불편함을 해소해 보고자 한다</a:t>
+            </a:r>
+            <a:r>
+              <a:rPr lang="en-US" altLang="ko-KR" sz="2400" b="1" dirty="0">
+                <a:solidFill>
+                  <a:prstClr val="white">
+                    <a:lumMod val="50000"/>
+                  </a:prstClr>
+                </a:solidFill>
+                <a:latin typeface="야놀자 야체B"/>
+              </a:rPr>
+              <a:t>.</a:t>
+            </a:r>
           </a:p>
         </p:txBody>
       </p:sp>

--- a/제안서.pptx
+++ b/제안서.pptx
@@ -1,6 +1,6 @@
 
 <file path=ppt/presentation.xml><?xml version="1.0" encoding="utf-8"?>
-<p:presentation xmlns:a="http://schemas.openxmlformats.org/drawingml/2006/main" xmlns:r="http://schemas.openxmlformats.org/officeDocument/2006/relationships" xmlns:p="http://schemas.openxmlformats.org/presentationml/2006/main" saveSubsetFonts="1">
+<p:presentation xmlns:a="http://schemas.openxmlformats.org/drawingml/2006/main" xmlns:r="http://schemas.openxmlformats.org/officeDocument/2006/relationships" xmlns:p="http://schemas.openxmlformats.org/presentationml/2006/main" embedTrueTypeFonts="1" saveSubsetFonts="1">
   <p:sldMasterIdLst>
     <p:sldMasterId id="2147483660" r:id="rId1"/>
   </p:sldMasterIdLst>
@@ -11,11 +11,22 @@
     <p:sldId id="260" r:id="rId5"/>
     <p:sldId id="263" r:id="rId6"/>
     <p:sldId id="264" r:id="rId7"/>
-    <p:sldId id="265" r:id="rId8"/>
-    <p:sldId id="266" r:id="rId9"/>
+    <p:sldId id="267" r:id="rId8"/>
+    <p:sldId id="268" r:id="rId9"/>
   </p:sldIdLst>
   <p:sldSz cx="12192000" cy="6858000"/>
   <p:notesSz cx="6858000" cy="9144000"/>
+  <p:embeddedFontLst>
+    <p:embeddedFont>
+      <p:font typeface="맑은 고딕" panose="020B0503020000020004" pitchFamily="50" charset="-127"/>
+      <p:regular r:id="rId10"/>
+      <p:bold r:id="rId11"/>
+    </p:embeddedFont>
+    <p:embeddedFont>
+      <p:font typeface="야놀자 야체 B" panose="02020603020101020101" pitchFamily="18" charset="-127"/>
+      <p:bold r:id="rId12"/>
+    </p:embeddedFont>
+  </p:embeddedFontLst>
   <p:defaultTextStyle>
     <a:defPPr>
       <a:defRPr lang="ko-KR"/>
@@ -5181,7 +5192,7 @@
         </p:nvSpPr>
         <p:spPr>
           <a:xfrm>
-            <a:off x="1219570" y="1879378"/>
+            <a:off x="1219570" y="1522762"/>
             <a:ext cx="10515600" cy="4417331"/>
           </a:xfrm>
           <a:prstGeom prst="rect">
@@ -5357,33 +5368,38 @@
             </a:lvl9pPr>
           </a:lstStyle>
           <a:p>
+            <a:pPr marL="457200" indent="-457200">
+              <a:lnSpc>
+                <a:spcPct val="200000"/>
+              </a:lnSpc>
+              <a:buAutoNum type="arabicPeriod"/>
+            </a:pPr>
+            <a:r>
+              <a:rPr lang="ko-KR" altLang="en-US" sz="2500" b="1" dirty="0">
+                <a:latin typeface="야"/>
+                <a:ea typeface="야놀자 야체 B" panose="02020603020101020101"/>
+              </a:rPr>
+              <a:t>팀 소개 및 업무 분담</a:t>
+            </a:r>
+            <a:r>
+              <a:rPr lang="en-US" altLang="ko-KR" sz="2500" b="1" dirty="0">
+                <a:latin typeface="야"/>
+                <a:ea typeface="야놀자 야체 B" panose="02020603020101020101"/>
+              </a:rPr>
+              <a:t>...........................................................................p3</a:t>
+            </a:r>
+          </a:p>
+          <a:p>
             <a:pPr marL="0" indent="0">
               <a:lnSpc>
                 <a:spcPct val="200000"/>
               </a:lnSpc>
               <a:buNone/>
             </a:pPr>
-            <a:r>
-              <a:rPr lang="en-US" altLang="ko-KR" sz="2500" b="1" dirty="0">
-                <a:latin typeface="야"/>
-                <a:ea typeface="나눔고딕 ExtraBold" panose="020D0904000000000000" pitchFamily="50" charset="-127"/>
-              </a:rPr>
-              <a:t>1. </a:t>
-            </a:r>
-            <a:r>
-              <a:rPr lang="ko-KR" altLang="en-US" sz="2500" b="1" dirty="0">
-                <a:latin typeface="야"/>
-                <a:ea typeface="야놀자 야체 B" panose="02020603020101020101"/>
-              </a:rPr>
-              <a:t>팀 소개 및 업무 분담</a:t>
-            </a:r>
-            <a:r>
-              <a:rPr lang="en-US" altLang="ko-KR" sz="2500" b="1" dirty="0">
-                <a:latin typeface="야"/>
-                <a:ea typeface="야놀자 야체 B" panose="02020603020101020101"/>
-              </a:rPr>
-              <a:t>........................................................................p3</a:t>
-            </a:r>
+            <a:endParaRPr lang="en-US" altLang="ko-KR" sz="2500" b="1" dirty="0">
+              <a:latin typeface="야"/>
+              <a:ea typeface="야놀자 야체 B" panose="02020603020101020101"/>
+            </a:endParaRPr>
           </a:p>
           <a:p>
             <a:pPr marL="0" indent="0">
@@ -5411,19 +5427,8 @@
                 <a:latin typeface="야"/>
                 <a:ea typeface="야놀자 야체 B" panose="02020603020101020101"/>
               </a:rPr>
-              <a:t>……………..…………........................................................p4</a:t>
-            </a:r>
-            <a:r>
-              <a:rPr lang="ko-KR" altLang="en-US" sz="2500" b="1" dirty="0">
-                <a:latin typeface="야"/>
-                <a:ea typeface="야놀자 야체 B" panose="02020603020101020101"/>
-              </a:rPr>
-              <a:t> </a:t>
-            </a:r>
-            <a:endParaRPr lang="en-US" altLang="ko-KR" sz="2500" b="1" dirty="0">
-              <a:latin typeface="야"/>
-              <a:ea typeface="야놀자 야체 B" panose="02020603020101020101"/>
-            </a:endParaRPr>
+              <a:t>……………..………….........................................................p4</a:t>
+            </a:r>
           </a:p>
           <a:p>
             <a:pPr marL="0" indent="0">
@@ -5433,6 +5438,25 @@
               <a:buNone/>
             </a:pPr>
             <a:r>
+              <a:rPr lang="ko-KR" altLang="en-US" sz="2500" b="1" dirty="0">
+                <a:latin typeface="야"/>
+                <a:ea typeface="야놀자 야체 B" panose="02020603020101020101"/>
+              </a:rPr>
+              <a:t> </a:t>
+            </a:r>
+            <a:endParaRPr lang="en-US" altLang="ko-KR" sz="2500" b="1" dirty="0">
+              <a:latin typeface="야"/>
+              <a:ea typeface="야놀자 야체 B" panose="02020603020101020101"/>
+            </a:endParaRPr>
+          </a:p>
+          <a:p>
+            <a:pPr marL="0" indent="0">
+              <a:lnSpc>
+                <a:spcPct val="200000"/>
+              </a:lnSpc>
+              <a:buNone/>
+            </a:pPr>
+            <a:r>
               <a:rPr lang="en-US" altLang="ko-KR" sz="2500" b="1" dirty="0">
                 <a:latin typeface="야"/>
                 <a:ea typeface="야놀자 야체 B" panose="02020603020101020101"/>
@@ -5451,7 +5475,7 @@
                 <a:latin typeface="야"/>
                 <a:ea typeface="야놀자 야체 B" panose="02020603020101020101"/>
               </a:rPr>
-              <a:t>……………..…………………………………………………………p5</a:t>
+              <a:t>……………..…………………………………………………….……..p6</a:t>
             </a:r>
             <a:r>
               <a:rPr lang="ko-KR" altLang="en-US" sz="2500" b="1" dirty="0">
@@ -6016,10 +6040,10 @@
       </p:cxnSp>
       <p:grpSp>
         <p:nvGrpSpPr>
-          <p:cNvPr id="5" name="그룹 4">
+          <p:cNvPr id="4" name="그룹 3">
             <a:extLst>
               <a:ext uri="{FF2B5EF4-FFF2-40B4-BE49-F238E27FC236}">
-                <a16:creationId xmlns:a16="http://schemas.microsoft.com/office/drawing/2014/main" id="{F12E7E26-018C-4853-B5E4-F215748EB13E}"/>
+                <a16:creationId xmlns:a16="http://schemas.microsoft.com/office/drawing/2014/main" id="{006B46A1-76B9-4964-8A23-B429FACBD059}"/>
               </a:ext>
             </a:extLst>
           </p:cNvPr>
@@ -6029,17 +6053,17 @@
         <p:grpSpPr>
           <a:xfrm>
             <a:off x="1731975" y="2496735"/>
-            <a:ext cx="8811384" cy="2593706"/>
-            <a:chOff x="1731975" y="2496735"/>
-            <a:chExt cx="8811384" cy="2593706"/>
+            <a:ext cx="8730872" cy="2593706"/>
+            <a:chOff x="1759607" y="2470277"/>
+            <a:chExt cx="8730872" cy="2593706"/>
           </a:xfrm>
         </p:grpSpPr>
         <p:grpSp>
           <p:nvGrpSpPr>
-            <p:cNvPr id="4" name="그룹 3">
+            <p:cNvPr id="58" name="그룹 57">
               <a:extLst>
                 <a:ext uri="{FF2B5EF4-FFF2-40B4-BE49-F238E27FC236}">
-                  <a16:creationId xmlns:a16="http://schemas.microsoft.com/office/drawing/2014/main" id="{006B46A1-76B9-4964-8A23-B429FACBD059}"/>
+                  <a16:creationId xmlns:a16="http://schemas.microsoft.com/office/drawing/2014/main" id="{E3C51D4F-D418-4D76-A912-D1594DB5CE87}"/>
                 </a:ext>
               </a:extLst>
             </p:cNvPr>
@@ -6048,18 +6072,377 @@
           </p:nvGrpSpPr>
           <p:grpSpPr>
             <a:xfrm>
-              <a:off x="1731975" y="2496735"/>
-              <a:ext cx="8730872" cy="2593706"/>
-              <a:chOff x="1759607" y="2470277"/>
-              <a:chExt cx="8730872" cy="2593706"/>
+              <a:off x="1759607" y="2470277"/>
+              <a:ext cx="2107243" cy="547526"/>
+              <a:chOff x="1621116" y="1338581"/>
+              <a:chExt cx="2107243" cy="547526"/>
+            </a:xfrm>
+            <a:solidFill>
+              <a:schemeClr val="tx1">
+                <a:lumMod val="65000"/>
+                <a:lumOff val="35000"/>
+              </a:schemeClr>
+            </a:solidFill>
+            <a:effectLst/>
+          </p:grpSpPr>
+          <p:sp>
+            <p:nvSpPr>
+              <p:cNvPr id="59" name="평행 사변형 58">
+                <a:extLst>
+                  <a:ext uri="{FF2B5EF4-FFF2-40B4-BE49-F238E27FC236}">
+                    <a16:creationId xmlns:a16="http://schemas.microsoft.com/office/drawing/2014/main" id="{7DF0FD4E-C892-4EE3-97DA-D048B9460366}"/>
+                  </a:ext>
+                </a:extLst>
+              </p:cNvPr>
+              <p:cNvSpPr/>
+              <p:nvPr/>
+            </p:nvSpPr>
+            <p:spPr>
+              <a:xfrm rot="21044117">
+                <a:off x="1621116" y="1457029"/>
+                <a:ext cx="1602458" cy="429078"/>
+              </a:xfrm>
+              <a:prstGeom prst="parallelogram">
+                <a:avLst>
+                  <a:gd name="adj" fmla="val 25901"/>
+                </a:avLst>
+              </a:prstGeom>
+              <a:solidFill>
+                <a:srgbClr val="7AE6D9"/>
+              </a:solidFill>
+              <a:ln>
+                <a:solidFill>
+                  <a:srgbClr val="1FD7CA"/>
+                </a:solidFill>
+              </a:ln>
+              <a:effectLst>
+                <a:softEdge rad="127000"/>
+              </a:effectLst>
+            </p:spPr>
+            <p:style>
+              <a:lnRef idx="2">
+                <a:schemeClr val="accent1">
+                  <a:shade val="50000"/>
+                </a:schemeClr>
+              </a:lnRef>
+              <a:fillRef idx="1">
+                <a:schemeClr val="accent1"/>
+              </a:fillRef>
+              <a:effectRef idx="0">
+                <a:schemeClr val="accent1"/>
+              </a:effectRef>
+              <a:fontRef idx="minor">
+                <a:schemeClr val="lt1"/>
+              </a:fontRef>
+            </p:style>
+            <p:txBody>
+              <a:bodyPr rtlCol="0" anchor="ctr"/>
+              <a:lstStyle/>
+              <a:p>
+                <a:pPr algn="ctr"/>
+                <a:endParaRPr lang="ko-KR" altLang="en-US" dirty="0"/>
+              </a:p>
+            </p:txBody>
+          </p:sp>
+          <p:sp>
+            <p:nvSpPr>
+              <p:cNvPr id="60" name="평행 사변형 59">
+                <a:extLst>
+                  <a:ext uri="{FF2B5EF4-FFF2-40B4-BE49-F238E27FC236}">
+                    <a16:creationId xmlns:a16="http://schemas.microsoft.com/office/drawing/2014/main" id="{BE791793-9AC2-4670-9D0C-41F834ACB7F7}"/>
+                  </a:ext>
+                </a:extLst>
+              </p:cNvPr>
+              <p:cNvSpPr/>
+              <p:nvPr/>
+            </p:nvSpPr>
+            <p:spPr>
+              <a:xfrm>
+                <a:off x="1752602" y="1338581"/>
+                <a:ext cx="1975757" cy="388619"/>
+              </a:xfrm>
+              <a:prstGeom prst="parallelogram">
+                <a:avLst>
+                  <a:gd name="adj" fmla="val 25901"/>
+                </a:avLst>
+              </a:prstGeom>
+              <a:solidFill>
+                <a:srgbClr val="1FD7CA"/>
+              </a:solidFill>
+              <a:ln>
+                <a:noFill/>
+              </a:ln>
+              <a:effectLst/>
+            </p:spPr>
+            <p:style>
+              <a:lnRef idx="2">
+                <a:schemeClr val="accent1">
+                  <a:shade val="50000"/>
+                </a:schemeClr>
+              </a:lnRef>
+              <a:fillRef idx="1">
+                <a:schemeClr val="accent1"/>
+              </a:fillRef>
+              <a:effectRef idx="0">
+                <a:schemeClr val="accent1"/>
+              </a:effectRef>
+              <a:fontRef idx="minor">
+                <a:schemeClr val="lt1"/>
+              </a:fontRef>
+            </p:style>
+            <p:txBody>
+              <a:bodyPr rtlCol="0" anchor="ctr"/>
+              <a:lstStyle/>
+              <a:p>
+                <a:pPr algn="ctr"/>
+                <a:r>
+                  <a:rPr lang="ko-KR" altLang="en-US" b="1" dirty="0" err="1">
+                    <a:latin typeface="야놀자 야체"/>
+                    <a:ea typeface="야놀자 야체 B" panose="02020603020101020101"/>
+                  </a:rPr>
+                  <a:t>박다수</a:t>
+                </a:r>
+                <a:endParaRPr lang="en-US" altLang="ko-KR" b="1" dirty="0">
+                  <a:latin typeface="야놀자 야체"/>
+                  <a:ea typeface="야놀자 야체 B" panose="02020603020101020101"/>
+                </a:endParaRPr>
+              </a:p>
+            </p:txBody>
+          </p:sp>
+        </p:grpSp>
+        <p:grpSp>
+          <p:nvGrpSpPr>
+            <p:cNvPr id="61" name="그룹 60">
+              <a:extLst>
+                <a:ext uri="{FF2B5EF4-FFF2-40B4-BE49-F238E27FC236}">
+                  <a16:creationId xmlns:a16="http://schemas.microsoft.com/office/drawing/2014/main" id="{93330A6F-9C54-490B-B271-3DAEFCC3E178}"/>
+                </a:ext>
+              </a:extLst>
+            </p:cNvPr>
+            <p:cNvGrpSpPr/>
+            <p:nvPr/>
+          </p:nvGrpSpPr>
+          <p:grpSpPr>
+            <a:xfrm>
+              <a:off x="1848517" y="3059063"/>
+              <a:ext cx="2022966" cy="1745516"/>
+              <a:chOff x="143703" y="3376516"/>
+              <a:chExt cx="2022966" cy="1745516"/>
+            </a:xfrm>
+          </p:grpSpPr>
+          <p:sp>
+            <p:nvSpPr>
+              <p:cNvPr id="62" name="TextBox 61">
+                <a:extLst>
+                  <a:ext uri="{FF2B5EF4-FFF2-40B4-BE49-F238E27FC236}">
+                    <a16:creationId xmlns:a16="http://schemas.microsoft.com/office/drawing/2014/main" id="{BFDE3271-4864-40B0-8112-C5328FDA038A}"/>
+                  </a:ext>
+                </a:extLst>
+              </p:cNvPr>
+              <p:cNvSpPr txBox="1"/>
+              <p:nvPr/>
+            </p:nvSpPr>
+            <p:spPr>
+              <a:xfrm>
+                <a:off x="909849" y="3376516"/>
+                <a:ext cx="595036" cy="338554"/>
+              </a:xfrm>
+              <a:prstGeom prst="rect">
+                <a:avLst/>
+              </a:prstGeom>
+              <a:noFill/>
+            </p:spPr>
+            <p:txBody>
+              <a:bodyPr wrap="none" rtlCol="0">
+                <a:spAutoFit/>
+              </a:bodyPr>
+              <a:lstStyle/>
+              <a:p>
+                <a:pPr algn="ctr" latinLnBrk="1"/>
+                <a:r>
+                  <a:rPr lang="ko-KR" altLang="en-US" sz="1600" b="1" dirty="0">
+                    <a:latin typeface="10X10" panose="020D0604000000000000" pitchFamily="50" charset="-127"/>
+                    <a:ea typeface="야놀자 야체 B" panose="02020603020101020101"/>
+                  </a:rPr>
+                  <a:t>팀장</a:t>
+                </a:r>
+              </a:p>
+            </p:txBody>
+          </p:sp>
+          <p:sp>
+            <p:nvSpPr>
+              <p:cNvPr id="63" name="직사각형 62">
+                <a:extLst>
+                  <a:ext uri="{FF2B5EF4-FFF2-40B4-BE49-F238E27FC236}">
+                    <a16:creationId xmlns:a16="http://schemas.microsoft.com/office/drawing/2014/main" id="{C168C2F6-5AFF-4091-BA7B-0B860ABD64A5}"/>
+                  </a:ext>
+                </a:extLst>
+              </p:cNvPr>
+              <p:cNvSpPr/>
+              <p:nvPr/>
+            </p:nvSpPr>
+            <p:spPr>
+              <a:xfrm>
+                <a:off x="461912" y="3723835"/>
+                <a:ext cx="1504579" cy="369332"/>
+              </a:xfrm>
+              <a:prstGeom prst="rect">
+                <a:avLst/>
+              </a:prstGeom>
+            </p:spPr>
+            <p:txBody>
+              <a:bodyPr wrap="none">
+                <a:spAutoFit/>
+              </a:bodyPr>
+              <a:lstStyle/>
+              <a:p>
+                <a:pPr algn="ctr" latinLnBrk="1"/>
+                <a:r>
+                  <a:rPr lang="en-US" altLang="ko-KR" b="1" dirty="0">
+                    <a:latin typeface="10X10" panose="020D0604000000000000" pitchFamily="50" charset="-127"/>
+                    <a:ea typeface="야놀자 야체 B" panose="02020603020101020101"/>
+                  </a:rPr>
+                  <a:t>2016150016</a:t>
+                </a:r>
+                <a:endParaRPr lang="ko-KR" altLang="en-US" b="1" dirty="0">
+                  <a:latin typeface="10X10" panose="020D0604000000000000" pitchFamily="50" charset="-127"/>
+                  <a:ea typeface="야놀자 야체 B" panose="02020603020101020101"/>
+                </a:endParaRPr>
+              </a:p>
+            </p:txBody>
+          </p:sp>
+          <p:sp>
+            <p:nvSpPr>
+              <p:cNvPr id="64" name="직사각형 63">
+                <a:extLst>
+                  <a:ext uri="{FF2B5EF4-FFF2-40B4-BE49-F238E27FC236}">
+                    <a16:creationId xmlns:a16="http://schemas.microsoft.com/office/drawing/2014/main" id="{A0549B7B-2AF8-4510-A8E5-F46C9D9CF2D6}"/>
+                  </a:ext>
+                </a:extLst>
+              </p:cNvPr>
+              <p:cNvSpPr/>
+              <p:nvPr/>
+            </p:nvSpPr>
+            <p:spPr>
+              <a:xfrm>
+                <a:off x="143703" y="4137147"/>
+                <a:ext cx="2022966" cy="984885"/>
+              </a:xfrm>
+              <a:prstGeom prst="rect">
+                <a:avLst/>
+              </a:prstGeom>
+            </p:spPr>
+            <p:txBody>
+              <a:bodyPr wrap="square">
+                <a:spAutoFit/>
+              </a:bodyPr>
+              <a:lstStyle/>
+              <a:p>
+                <a:pPr algn="ctr" latinLnBrk="1"/>
+                <a:r>
+                  <a:rPr lang="ko-KR" altLang="en-US" sz="2000" b="1" dirty="0">
+                    <a:latin typeface="맑은 고딕" panose="020B0503020000020004" pitchFamily="50" charset="-127"/>
+                    <a:ea typeface="야놀자 야체 B" panose="02020603020101020101"/>
+                  </a:rPr>
+                  <a:t>〮</a:t>
+                </a:r>
+                <a:r>
+                  <a:rPr lang="ko-KR" altLang="en-US" b="1" dirty="0">
+                    <a:latin typeface="맑은 고딕" panose="020B0503020000020004" pitchFamily="50" charset="-127"/>
+                    <a:ea typeface="야놀자 야체 B" panose="02020603020101020101"/>
+                  </a:rPr>
+                  <a:t> </a:t>
+                </a:r>
+                <a:r>
+                  <a:rPr lang="ko-KR" altLang="en-US" dirty="0">
+                    <a:latin typeface="10X10" panose="020D0604000000000000" pitchFamily="50" charset="-127"/>
+                    <a:ea typeface="야놀자 야체 B" panose="02020603020101020101"/>
+                  </a:rPr>
+                  <a:t>제안서 작성</a:t>
+                </a:r>
+                <a:endParaRPr lang="en-US" altLang="ko-KR" dirty="0">
+                  <a:latin typeface="10X10" panose="020D0604000000000000" pitchFamily="50" charset="-127"/>
+                  <a:ea typeface="야놀자 야체 B" panose="02020603020101020101"/>
+                </a:endParaRPr>
+              </a:p>
+              <a:p>
+                <a:pPr algn="ctr"/>
+                <a:r>
+                  <a:rPr lang="ko-KR" altLang="en-US" sz="2000" dirty="0">
+                    <a:latin typeface="맑은 고딕" panose="020B0503020000020004" pitchFamily="50" charset="-127"/>
+                    <a:ea typeface="야놀자 야체 B" panose="02020603020101020101"/>
+                  </a:rPr>
+                  <a:t>〮</a:t>
+                </a:r>
+                <a:r>
+                  <a:rPr lang="ko-KR" altLang="en-US" dirty="0">
+                    <a:latin typeface="맑은 고딕" panose="020B0503020000020004" pitchFamily="50" charset="-127"/>
+                    <a:ea typeface="야놀자 야체 B" panose="02020603020101020101"/>
+                  </a:rPr>
+                  <a:t> </a:t>
+                </a:r>
+                <a:r>
+                  <a:rPr lang="ko-KR" altLang="en-US" dirty="0" err="1">
+                    <a:latin typeface="10X10" panose="020D0604000000000000" pitchFamily="50" charset="-127"/>
+                    <a:ea typeface="야놀자 야체 B" panose="02020603020101020101"/>
+                  </a:rPr>
+                  <a:t>깃허브</a:t>
+                </a:r>
+                <a:r>
+                  <a:rPr lang="ko-KR" altLang="en-US" dirty="0">
+                    <a:latin typeface="10X10" panose="020D0604000000000000" pitchFamily="50" charset="-127"/>
+                    <a:ea typeface="야놀자 야체 B" panose="02020603020101020101"/>
+                  </a:rPr>
+                  <a:t> 관리</a:t>
+                </a:r>
+                <a:endParaRPr lang="en-US" altLang="ko-KR" dirty="0">
+                  <a:latin typeface="10X10" panose="020D0604000000000000" pitchFamily="50" charset="-127"/>
+                  <a:ea typeface="야놀자 야체 B" panose="02020603020101020101"/>
+                </a:endParaRPr>
+              </a:p>
+              <a:p>
+                <a:pPr algn="ctr"/>
+                <a:r>
+                  <a:rPr lang="ko-KR" altLang="en-US" dirty="0">
+                    <a:latin typeface="맑은 고딕" panose="020B0503020000020004" pitchFamily="50" charset="-127"/>
+                    <a:ea typeface="야놀자 야체 B" panose="02020603020101020101"/>
+                  </a:rPr>
+                  <a:t>〮 코드 작성</a:t>
+                </a:r>
+                <a:endParaRPr lang="ko-KR" altLang="en-US" dirty="0">
+                  <a:latin typeface="10X10" panose="020D0604000000000000" pitchFamily="50" charset="-127"/>
+                  <a:ea typeface="야놀자 야체 B" panose="02020603020101020101"/>
+                </a:endParaRPr>
+              </a:p>
+            </p:txBody>
+          </p:sp>
+        </p:grpSp>
+        <p:grpSp>
+          <p:nvGrpSpPr>
+            <p:cNvPr id="65" name="그룹 64">
+              <a:extLst>
+                <a:ext uri="{FF2B5EF4-FFF2-40B4-BE49-F238E27FC236}">
+                  <a16:creationId xmlns:a16="http://schemas.microsoft.com/office/drawing/2014/main" id="{EEDBDD21-042C-4C41-B3B0-B23A17566006}"/>
+                </a:ext>
+              </a:extLst>
+            </p:cNvPr>
+            <p:cNvGrpSpPr/>
+            <p:nvPr/>
+          </p:nvGrpSpPr>
+          <p:grpSpPr>
+            <a:xfrm>
+              <a:off x="8347598" y="2470792"/>
+              <a:ext cx="2142881" cy="2306469"/>
+              <a:chOff x="2225518" y="2771592"/>
+              <a:chExt cx="2142881" cy="2306469"/>
             </a:xfrm>
           </p:grpSpPr>
           <p:grpSp>
             <p:nvGrpSpPr>
-              <p:cNvPr id="58" name="그룹 57">
+              <p:cNvPr id="66" name="그룹 65">
                 <a:extLst>
                   <a:ext uri="{FF2B5EF4-FFF2-40B4-BE49-F238E27FC236}">
-                    <a16:creationId xmlns:a16="http://schemas.microsoft.com/office/drawing/2014/main" id="{E3C51D4F-D418-4D76-A912-D1594DB5CE87}"/>
+                    <a16:creationId xmlns:a16="http://schemas.microsoft.com/office/drawing/2014/main" id="{9DC2867E-7517-4E77-A8C0-610A646EF6CA}"/>
                   </a:ext>
                 </a:extLst>
               </p:cNvPr>
@@ -6068,10 +6451,10 @@
             </p:nvGrpSpPr>
             <p:grpSpPr>
               <a:xfrm>
-                <a:off x="1759607" y="2470277"/>
-                <a:ext cx="2107243" cy="547526"/>
+                <a:off x="2225518" y="2771592"/>
+                <a:ext cx="2107243" cy="555275"/>
                 <a:chOff x="1621116" y="1338581"/>
-                <a:chExt cx="2107243" cy="547526"/>
+                <a:chExt cx="2107243" cy="555275"/>
               </a:xfrm>
               <a:solidFill>
                 <a:schemeClr val="tx1">
@@ -6083,10 +6466,10 @@
             </p:grpSpPr>
             <p:sp>
               <p:nvSpPr>
-                <p:cNvPr id="59" name="평행 사변형 58">
+                <p:cNvPr id="70" name="평행 사변형 69">
                   <a:extLst>
                     <a:ext uri="{FF2B5EF4-FFF2-40B4-BE49-F238E27FC236}">
-                      <a16:creationId xmlns:a16="http://schemas.microsoft.com/office/drawing/2014/main" id="{7DF0FD4E-C892-4EE3-97DA-D048B9460366}"/>
+                      <a16:creationId xmlns:a16="http://schemas.microsoft.com/office/drawing/2014/main" id="{29D89994-E4E3-43AE-880E-7B0B089F0632}"/>
                     </a:ext>
                   </a:extLst>
                 </p:cNvPr>
@@ -6095,7 +6478,7 @@
               </p:nvSpPr>
               <p:spPr>
                 <a:xfrm rot="21044117">
-                  <a:off x="1621116" y="1457029"/>
+                  <a:off x="1621116" y="1464778"/>
                   <a:ext cx="1602458" cy="429078"/>
                 </a:xfrm>
                 <a:prstGeom prst="parallelogram">
@@ -6107,9 +6490,7 @@
                   <a:srgbClr val="7AE6D9"/>
                 </a:solidFill>
                 <a:ln>
-                  <a:solidFill>
-                    <a:srgbClr val="1FD7CA"/>
-                  </a:solidFill>
+                  <a:noFill/>
                 </a:ln>
                 <a:effectLst>
                   <a:softEdge rad="127000"/>
@@ -6136,16 +6517,16 @@
                 <a:lstStyle/>
                 <a:p>
                   <a:pPr algn="ctr"/>
-                  <a:endParaRPr lang="ko-KR" altLang="en-US" dirty="0"/>
+                  <a:endParaRPr lang="ko-KR" altLang="en-US"/>
                 </a:p>
               </p:txBody>
             </p:sp>
             <p:sp>
               <p:nvSpPr>
-                <p:cNvPr id="60" name="평행 사변형 59">
+                <p:cNvPr id="71" name="평행 사변형 70">
                   <a:extLst>
                     <a:ext uri="{FF2B5EF4-FFF2-40B4-BE49-F238E27FC236}">
-                      <a16:creationId xmlns:a16="http://schemas.microsoft.com/office/drawing/2014/main" id="{BE791793-9AC2-4670-9D0C-41F834ACB7F7}"/>
+                      <a16:creationId xmlns:a16="http://schemas.microsoft.com/office/drawing/2014/main" id="{134BF99C-47D6-4FB6-A154-4A8389E1E6B6}"/>
                     </a:ext>
                   </a:extLst>
                 </p:cNvPr>
@@ -6192,11 +6573,11 @@
                 <a:p>
                   <a:pPr algn="ctr"/>
                   <a:r>
-                    <a:rPr lang="ko-KR" altLang="en-US" b="1" dirty="0" err="1">
+                    <a:rPr lang="ko-KR" altLang="en-US" b="1" dirty="0">
                       <a:latin typeface="야놀자 야체"/>
                       <a:ea typeface="야놀자 야체 B" panose="02020603020101020101"/>
                     </a:rPr>
-                    <a:t>박다수</a:t>
+                    <a:t>최원규</a:t>
                   </a:r>
                   <a:endParaRPr lang="en-US" altLang="ko-KR" b="1" dirty="0">
                     <a:latin typeface="야놀자 야체"/>
@@ -6206,12 +6587,190 @@
               </p:txBody>
             </p:sp>
           </p:grpSp>
+          <p:sp>
+            <p:nvSpPr>
+              <p:cNvPr id="67" name="TextBox 66">
+                <a:extLst>
+                  <a:ext uri="{FF2B5EF4-FFF2-40B4-BE49-F238E27FC236}">
+                    <a16:creationId xmlns:a16="http://schemas.microsoft.com/office/drawing/2014/main" id="{FC26497F-0991-4192-9D7C-70F31D2DEE2E}"/>
+                  </a:ext>
+                </a:extLst>
+              </p:cNvPr>
+              <p:cNvSpPr txBox="1"/>
+              <p:nvPr/>
+            </p:nvSpPr>
+            <p:spPr>
+              <a:xfrm>
+                <a:off x="3107637" y="3367984"/>
+                <a:ext cx="595036" cy="338554"/>
+              </a:xfrm>
+              <a:prstGeom prst="rect">
+                <a:avLst/>
+              </a:prstGeom>
+              <a:noFill/>
+            </p:spPr>
+            <p:txBody>
+              <a:bodyPr wrap="none" rtlCol="0">
+                <a:spAutoFit/>
+              </a:bodyPr>
+              <a:lstStyle/>
+              <a:p>
+                <a:pPr algn="ctr" latinLnBrk="1"/>
+                <a:r>
+                  <a:rPr lang="ko-KR" altLang="en-US" sz="1600" b="1" dirty="0">
+                    <a:latin typeface="10X10" panose="020D0604000000000000" pitchFamily="50" charset="-127"/>
+                    <a:ea typeface="야놀자 야체 B" panose="02020603020101020101"/>
+                  </a:rPr>
+                  <a:t>팀원</a:t>
+                </a:r>
+              </a:p>
+            </p:txBody>
+          </p:sp>
+          <p:sp>
+            <p:nvSpPr>
+              <p:cNvPr id="68" name="직사각형 67">
+                <a:extLst>
+                  <a:ext uri="{FF2B5EF4-FFF2-40B4-BE49-F238E27FC236}">
+                    <a16:creationId xmlns:a16="http://schemas.microsoft.com/office/drawing/2014/main" id="{FC2A15EC-2189-4114-937F-46E272DDE464}"/>
+                  </a:ext>
+                </a:extLst>
+              </p:cNvPr>
+              <p:cNvSpPr/>
+              <p:nvPr/>
+            </p:nvSpPr>
+            <p:spPr>
+              <a:xfrm>
+                <a:off x="2674377" y="3732644"/>
+                <a:ext cx="1504579" cy="369332"/>
+              </a:xfrm>
+              <a:prstGeom prst="rect">
+                <a:avLst/>
+              </a:prstGeom>
+            </p:spPr>
+            <p:txBody>
+              <a:bodyPr wrap="none">
+                <a:spAutoFit/>
+              </a:bodyPr>
+              <a:lstStyle/>
+              <a:p>
+                <a:pPr algn="ctr" latinLnBrk="1"/>
+                <a:r>
+                  <a:rPr lang="en-US" altLang="ko-KR" b="1" dirty="0">
+                    <a:latin typeface="10X10" panose="020D0604000000000000" pitchFamily="50" charset="-127"/>
+                    <a:ea typeface="야놀자 야체 B" panose="02020603020101020101"/>
+                  </a:rPr>
+                  <a:t>2016150041</a:t>
+                </a:r>
+                <a:endParaRPr lang="ko-KR" altLang="en-US" b="1" dirty="0">
+                  <a:latin typeface="10X10" panose="020D0604000000000000" pitchFamily="50" charset="-127"/>
+                  <a:ea typeface="야놀자 야체 B" panose="02020603020101020101"/>
+                </a:endParaRPr>
+              </a:p>
+            </p:txBody>
+          </p:sp>
+          <p:sp>
+            <p:nvSpPr>
+              <p:cNvPr id="69" name="직사각형 68">
+                <a:extLst>
+                  <a:ext uri="{FF2B5EF4-FFF2-40B4-BE49-F238E27FC236}">
+                    <a16:creationId xmlns:a16="http://schemas.microsoft.com/office/drawing/2014/main" id="{404CF20F-472F-4069-8463-DDB972353988}"/>
+                  </a:ext>
+                </a:extLst>
+              </p:cNvPr>
+              <p:cNvSpPr/>
+              <p:nvPr/>
+            </p:nvSpPr>
+            <p:spPr>
+              <a:xfrm>
+                <a:off x="2345433" y="4154731"/>
+                <a:ext cx="2022966" cy="923330"/>
+              </a:xfrm>
+              <a:prstGeom prst="rect">
+                <a:avLst/>
+              </a:prstGeom>
+            </p:spPr>
+            <p:txBody>
+              <a:bodyPr wrap="square">
+                <a:spAutoFit/>
+              </a:bodyPr>
+              <a:lstStyle/>
+              <a:p>
+                <a:pPr algn="ctr"/>
+                <a:r>
+                  <a:rPr lang="ko-KR" altLang="en-US" dirty="0">
+                    <a:latin typeface="맑은 고딕" panose="020B0503020000020004" pitchFamily="50" charset="-127"/>
+                  </a:rPr>
+                  <a:t>〮  </a:t>
+                </a:r>
+                <a:r>
+                  <a:rPr lang="ko-KR" altLang="en-US" dirty="0">
+                    <a:latin typeface="10X10" panose="020D0604000000000000" pitchFamily="50" charset="-127"/>
+                    <a:ea typeface="야놀자 야체 B" panose="02020603020101020101"/>
+                  </a:rPr>
+                  <a:t>기능 사항 작성</a:t>
+                </a:r>
+                <a:endParaRPr lang="en-US" altLang="ko-KR" dirty="0">
+                  <a:latin typeface="10X10" panose="020D0604000000000000" pitchFamily="50" charset="-127"/>
+                  <a:ea typeface="야놀자 야체 B" panose="02020603020101020101"/>
+                </a:endParaRPr>
+              </a:p>
+              <a:p>
+                <a:pPr algn="ctr"/>
+                <a:r>
+                  <a:rPr lang="ko-KR" altLang="en-US" dirty="0">
+                    <a:latin typeface="맑은 고딕" panose="020B0503020000020004" pitchFamily="50" charset="-127"/>
+                    <a:ea typeface="야놀자 야체 B" panose="02020603020101020101"/>
+                  </a:rPr>
+                  <a:t>〮 정보 수집</a:t>
+                </a:r>
+                <a:endParaRPr lang="en-US" altLang="ko-KR" dirty="0">
+                  <a:latin typeface="맑은 고딕" panose="020B0503020000020004" pitchFamily="50" charset="-127"/>
+                  <a:ea typeface="야놀자 야체 B" panose="02020603020101020101"/>
+                </a:endParaRPr>
+              </a:p>
+              <a:p>
+                <a:pPr algn="ctr"/>
+                <a:r>
+                  <a:rPr lang="ko-KR" altLang="en-US" dirty="0">
+                    <a:latin typeface="맑은 고딕" panose="020B0503020000020004" pitchFamily="50" charset="-127"/>
+                    <a:ea typeface="야놀자 야체 B" panose="02020603020101020101"/>
+                  </a:rPr>
+                  <a:t>〮 코드 작성</a:t>
+                </a:r>
+                <a:endParaRPr lang="en-US" altLang="ko-KR" dirty="0">
+                  <a:latin typeface="10X10" panose="020D0604000000000000" pitchFamily="50" charset="-127"/>
+                  <a:ea typeface="야놀자 야체 B" panose="02020603020101020101"/>
+                </a:endParaRPr>
+              </a:p>
+            </p:txBody>
+          </p:sp>
+        </p:grpSp>
+        <p:grpSp>
+          <p:nvGrpSpPr>
+            <p:cNvPr id="72" name="그룹 71">
+              <a:extLst>
+                <a:ext uri="{FF2B5EF4-FFF2-40B4-BE49-F238E27FC236}">
+                  <a16:creationId xmlns:a16="http://schemas.microsoft.com/office/drawing/2014/main" id="{5B694EF6-12A1-4702-9525-D93DAB98038F}"/>
+                </a:ext>
+              </a:extLst>
+            </p:cNvPr>
+            <p:cNvGrpSpPr/>
+            <p:nvPr/>
+          </p:nvGrpSpPr>
+          <p:grpSpPr>
+            <a:xfrm>
+              <a:off x="6116153" y="2489307"/>
+              <a:ext cx="2142701" cy="2574676"/>
+              <a:chOff x="4516843" y="2789176"/>
+              <a:chExt cx="2142701" cy="2574676"/>
+            </a:xfrm>
+          </p:grpSpPr>
           <p:grpSp>
             <p:nvGrpSpPr>
-              <p:cNvPr id="61" name="그룹 60">
+              <p:cNvPr id="73" name="그룹 72">
                 <a:extLst>
                   <a:ext uri="{FF2B5EF4-FFF2-40B4-BE49-F238E27FC236}">
-                    <a16:creationId xmlns:a16="http://schemas.microsoft.com/office/drawing/2014/main" id="{93330A6F-9C54-490B-B271-3DAEFCC3E178}"/>
+                    <a16:creationId xmlns:a16="http://schemas.microsoft.com/office/drawing/2014/main" id="{55A7A2B3-64D7-461A-AC91-83A0E9929425}"/>
                   </a:ext>
                 </a:extLst>
               </p:cNvPr>
@@ -6220,225 +6779,18 @@
             </p:nvGrpSpPr>
             <p:grpSpPr>
               <a:xfrm>
-                <a:off x="1848517" y="3059063"/>
-                <a:ext cx="2022966" cy="1745516"/>
-                <a:chOff x="143703" y="3376516"/>
-                <a:chExt cx="2022966" cy="1745516"/>
-              </a:xfrm>
-            </p:grpSpPr>
-            <p:sp>
-              <p:nvSpPr>
-                <p:cNvPr id="62" name="TextBox 61">
-                  <a:extLst>
-                    <a:ext uri="{FF2B5EF4-FFF2-40B4-BE49-F238E27FC236}">
-                      <a16:creationId xmlns:a16="http://schemas.microsoft.com/office/drawing/2014/main" id="{BFDE3271-4864-40B0-8112-C5328FDA038A}"/>
-                    </a:ext>
-                  </a:extLst>
-                </p:cNvPr>
-                <p:cNvSpPr txBox="1"/>
-                <p:nvPr/>
-              </p:nvSpPr>
-              <p:spPr>
-                <a:xfrm>
-                  <a:off x="909849" y="3376516"/>
-                  <a:ext cx="595036" cy="338554"/>
-                </a:xfrm>
-                <a:prstGeom prst="rect">
-                  <a:avLst/>
-                </a:prstGeom>
-                <a:noFill/>
-              </p:spPr>
-              <p:txBody>
-                <a:bodyPr wrap="none" rtlCol="0">
-                  <a:spAutoFit/>
-                </a:bodyPr>
-                <a:lstStyle/>
-                <a:p>
-                  <a:pPr algn="ctr" latinLnBrk="1"/>
-                  <a:r>
-                    <a:rPr lang="ko-KR" altLang="en-US" sz="1600" b="1" dirty="0">
-                      <a:latin typeface="10X10" panose="020D0604000000000000" pitchFamily="50" charset="-127"/>
-                      <a:ea typeface="야놀자 야체 B" panose="02020603020101020101"/>
-                    </a:rPr>
-                    <a:t>팀장</a:t>
-                  </a:r>
-                </a:p>
-              </p:txBody>
-            </p:sp>
-            <p:sp>
-              <p:nvSpPr>
-                <p:cNvPr id="63" name="직사각형 62">
-                  <a:extLst>
-                    <a:ext uri="{FF2B5EF4-FFF2-40B4-BE49-F238E27FC236}">
-                      <a16:creationId xmlns:a16="http://schemas.microsoft.com/office/drawing/2014/main" id="{C168C2F6-5AFF-4091-BA7B-0B860ABD64A5}"/>
-                    </a:ext>
-                  </a:extLst>
-                </p:cNvPr>
-                <p:cNvSpPr/>
-                <p:nvPr/>
-              </p:nvSpPr>
-              <p:spPr>
-                <a:xfrm>
-                  <a:off x="461912" y="3723835"/>
-                  <a:ext cx="1504579" cy="369332"/>
-                </a:xfrm>
-                <a:prstGeom prst="rect">
-                  <a:avLst/>
-                </a:prstGeom>
-              </p:spPr>
-              <p:txBody>
-                <a:bodyPr wrap="none">
-                  <a:spAutoFit/>
-                </a:bodyPr>
-                <a:lstStyle/>
-                <a:p>
-                  <a:pPr algn="ctr" latinLnBrk="1"/>
-                  <a:r>
-                    <a:rPr lang="en-US" altLang="ko-KR" b="1" dirty="0">
-                      <a:latin typeface="10X10" panose="020D0604000000000000" pitchFamily="50" charset="-127"/>
-                      <a:ea typeface="야놀자 야체 B" panose="02020603020101020101"/>
-                    </a:rPr>
-                    <a:t>2016150016</a:t>
-                  </a:r>
-                  <a:endParaRPr lang="ko-KR" altLang="en-US" b="1" dirty="0">
-                    <a:latin typeface="10X10" panose="020D0604000000000000" pitchFamily="50" charset="-127"/>
-                    <a:ea typeface="야놀자 야체 B" panose="02020603020101020101"/>
-                  </a:endParaRPr>
-                </a:p>
-              </p:txBody>
-            </p:sp>
-            <p:sp>
-              <p:nvSpPr>
-                <p:cNvPr id="64" name="직사각형 63">
-                  <a:extLst>
-                    <a:ext uri="{FF2B5EF4-FFF2-40B4-BE49-F238E27FC236}">
-                      <a16:creationId xmlns:a16="http://schemas.microsoft.com/office/drawing/2014/main" id="{A0549B7B-2AF8-4510-A8E5-F46C9D9CF2D6}"/>
-                    </a:ext>
-                  </a:extLst>
-                </p:cNvPr>
-                <p:cNvSpPr/>
-                <p:nvPr/>
-              </p:nvSpPr>
-              <p:spPr>
-                <a:xfrm>
-                  <a:off x="143703" y="4137147"/>
-                  <a:ext cx="2022966" cy="984885"/>
-                </a:xfrm>
-                <a:prstGeom prst="rect">
-                  <a:avLst/>
-                </a:prstGeom>
-              </p:spPr>
-              <p:txBody>
-                <a:bodyPr wrap="square">
-                  <a:spAutoFit/>
-                </a:bodyPr>
-                <a:lstStyle/>
-                <a:p>
-                  <a:pPr algn="ctr" latinLnBrk="1"/>
-                  <a:r>
-                    <a:rPr lang="ko-KR" altLang="en-US" sz="2000" b="1" dirty="0">
-                      <a:latin typeface="맑은 고딕" panose="020B0503020000020004" pitchFamily="50" charset="-127"/>
-                      <a:ea typeface="야놀자 야체 B" panose="02020603020101020101"/>
-                    </a:rPr>
-                    <a:t>〮</a:t>
-                  </a:r>
-                  <a:r>
-                    <a:rPr lang="ko-KR" altLang="en-US" b="1" dirty="0">
-                      <a:latin typeface="맑은 고딕" panose="020B0503020000020004" pitchFamily="50" charset="-127"/>
-                      <a:ea typeface="야놀자 야체 B" panose="02020603020101020101"/>
-                    </a:rPr>
-                    <a:t> </a:t>
-                  </a:r>
-                  <a:r>
-                    <a:rPr lang="ko-KR" altLang="en-US" dirty="0">
-                      <a:latin typeface="10X10" panose="020D0604000000000000" pitchFamily="50" charset="-127"/>
-                      <a:ea typeface="야놀자 야체 B" panose="02020603020101020101"/>
-                    </a:rPr>
-                    <a:t>제안서 작성</a:t>
-                  </a:r>
-                  <a:endParaRPr lang="en-US" altLang="ko-KR" dirty="0">
-                    <a:latin typeface="10X10" panose="020D0604000000000000" pitchFamily="50" charset="-127"/>
-                    <a:ea typeface="야놀자 야체 B" panose="02020603020101020101"/>
-                  </a:endParaRPr>
-                </a:p>
-                <a:p>
-                  <a:pPr algn="ctr"/>
-                  <a:r>
-                    <a:rPr lang="ko-KR" altLang="en-US" sz="2000" dirty="0">
-                      <a:latin typeface="맑은 고딕" panose="020B0503020000020004" pitchFamily="50" charset="-127"/>
-                      <a:ea typeface="야놀자 야체 B" panose="02020603020101020101"/>
-                    </a:rPr>
-                    <a:t>〮</a:t>
-                  </a:r>
-                  <a:r>
-                    <a:rPr lang="ko-KR" altLang="en-US" dirty="0">
-                      <a:latin typeface="맑은 고딕" panose="020B0503020000020004" pitchFamily="50" charset="-127"/>
-                      <a:ea typeface="야놀자 야체 B" panose="02020603020101020101"/>
-                    </a:rPr>
-                    <a:t> </a:t>
-                  </a:r>
-                  <a:r>
-                    <a:rPr lang="ko-KR" altLang="en-US" dirty="0" err="1">
-                      <a:latin typeface="10X10" panose="020D0604000000000000" pitchFamily="50" charset="-127"/>
-                      <a:ea typeface="야놀자 야체 B" panose="02020603020101020101"/>
-                    </a:rPr>
-                    <a:t>깃허브</a:t>
-                  </a:r>
-                  <a:r>
-                    <a:rPr lang="ko-KR" altLang="en-US" dirty="0">
-                      <a:latin typeface="10X10" panose="020D0604000000000000" pitchFamily="50" charset="-127"/>
-                      <a:ea typeface="야놀자 야체 B" panose="02020603020101020101"/>
-                    </a:rPr>
-                    <a:t> 관리</a:t>
-                  </a:r>
-                  <a:endParaRPr lang="en-US" altLang="ko-KR" dirty="0">
-                    <a:latin typeface="10X10" panose="020D0604000000000000" pitchFamily="50" charset="-127"/>
-                    <a:ea typeface="야놀자 야체 B" panose="02020603020101020101"/>
-                  </a:endParaRPr>
-                </a:p>
-                <a:p>
-                  <a:pPr algn="ctr"/>
-                  <a:r>
-                    <a:rPr lang="ko-KR" altLang="en-US" dirty="0">
-                      <a:latin typeface="맑은 고딕" panose="020B0503020000020004" pitchFamily="50" charset="-127"/>
-                      <a:ea typeface="야놀자 야체 B" panose="02020603020101020101"/>
-                    </a:rPr>
-                    <a:t>〮 코드 작성</a:t>
-                  </a:r>
-                  <a:endParaRPr lang="ko-KR" altLang="en-US" dirty="0">
-                    <a:latin typeface="10X10" panose="020D0604000000000000" pitchFamily="50" charset="-127"/>
-                    <a:ea typeface="야놀자 야체 B" panose="02020603020101020101"/>
-                  </a:endParaRPr>
-                </a:p>
-              </p:txBody>
-            </p:sp>
-          </p:grpSp>
-          <p:grpSp>
-            <p:nvGrpSpPr>
-              <p:cNvPr id="65" name="그룹 64">
-                <a:extLst>
-                  <a:ext uri="{FF2B5EF4-FFF2-40B4-BE49-F238E27FC236}">
-                    <a16:creationId xmlns:a16="http://schemas.microsoft.com/office/drawing/2014/main" id="{EEDBDD21-042C-4C41-B3B0-B23A17566006}"/>
-                  </a:ext>
-                </a:extLst>
-              </p:cNvPr>
-              <p:cNvGrpSpPr/>
-              <p:nvPr/>
-            </p:nvGrpSpPr>
-            <p:grpSpPr>
-              <a:xfrm>
-                <a:off x="8347598" y="2470792"/>
-                <a:ext cx="2142881" cy="2306469"/>
-                <a:chOff x="2225518" y="2771592"/>
-                <a:chExt cx="2142881" cy="2306469"/>
+                <a:off x="4516843" y="2789176"/>
+                <a:ext cx="2099494" cy="1326551"/>
+                <a:chOff x="4516843" y="2789176"/>
+                <a:chExt cx="2099494" cy="1326551"/>
               </a:xfrm>
             </p:grpSpPr>
             <p:grpSp>
               <p:nvGrpSpPr>
-                <p:cNvPr id="66" name="그룹 65">
+                <p:cNvPr id="75" name="그룹 74">
                   <a:extLst>
                     <a:ext uri="{FF2B5EF4-FFF2-40B4-BE49-F238E27FC236}">
-                      <a16:creationId xmlns:a16="http://schemas.microsoft.com/office/drawing/2014/main" id="{9DC2867E-7517-4E77-A8C0-610A646EF6CA}"/>
+                      <a16:creationId xmlns:a16="http://schemas.microsoft.com/office/drawing/2014/main" id="{E3755276-8623-4CF7-BED2-99833FE9347C}"/>
                     </a:ext>
                   </a:extLst>
                 </p:cNvPr>
@@ -6447,10 +6799,10 @@
               </p:nvGrpSpPr>
               <p:grpSpPr>
                 <a:xfrm>
-                  <a:off x="2225518" y="2771592"/>
-                  <a:ext cx="2107243" cy="555275"/>
-                  <a:chOff x="1621116" y="1338581"/>
-                  <a:chExt cx="2107243" cy="555275"/>
+                  <a:off x="4516843" y="2789176"/>
+                  <a:ext cx="2099494" cy="564067"/>
+                  <a:chOff x="1628865" y="1329789"/>
+                  <a:chExt cx="2099494" cy="564067"/>
                 </a:xfrm>
                 <a:solidFill>
                   <a:schemeClr val="tx1">
@@ -6462,10 +6814,10 @@
               </p:grpSpPr>
               <p:sp>
                 <p:nvSpPr>
-                  <p:cNvPr id="70" name="평행 사변형 69">
+                  <p:cNvPr id="78" name="평행 사변형 77">
                     <a:extLst>
                       <a:ext uri="{FF2B5EF4-FFF2-40B4-BE49-F238E27FC236}">
-                        <a16:creationId xmlns:a16="http://schemas.microsoft.com/office/drawing/2014/main" id="{29D89994-E4E3-43AE-880E-7B0B089F0632}"/>
+                        <a16:creationId xmlns:a16="http://schemas.microsoft.com/office/drawing/2014/main" id="{14104A90-369E-4890-A24C-1256DB2D96D3}"/>
                       </a:ext>
                     </a:extLst>
                   </p:cNvPr>
@@ -6474,7 +6826,7 @@
                 </p:nvSpPr>
                 <p:spPr>
                   <a:xfrm rot="21044117">
-                    <a:off x="1621116" y="1464778"/>
+                    <a:off x="1628865" y="1464778"/>
                     <a:ext cx="1602458" cy="429078"/>
                   </a:xfrm>
                   <a:prstGeom prst="parallelogram">
@@ -6519,10 +6871,10 @@
               </p:sp>
               <p:sp>
                 <p:nvSpPr>
-                  <p:cNvPr id="71" name="평행 사변형 70">
+                  <p:cNvPr id="79" name="평행 사변형 78">
                     <a:extLst>
                       <a:ext uri="{FF2B5EF4-FFF2-40B4-BE49-F238E27FC236}">
-                        <a16:creationId xmlns:a16="http://schemas.microsoft.com/office/drawing/2014/main" id="{134BF99C-47D6-4FB6-A154-4A8389E1E6B6}"/>
+                        <a16:creationId xmlns:a16="http://schemas.microsoft.com/office/drawing/2014/main" id="{47898F6A-0F3F-4E0D-9C79-A480B16F5853}"/>
                       </a:ext>
                     </a:extLst>
                   </p:cNvPr>
@@ -6531,7 +6883,371 @@
                 </p:nvSpPr>
                 <p:spPr>
                   <a:xfrm>
-                    <a:off x="1752602" y="1338581"/>
+                    <a:off x="1752602" y="1329789"/>
+                    <a:ext cx="1975757" cy="388619"/>
+                  </a:xfrm>
+                  <a:prstGeom prst="parallelogram">
+                    <a:avLst>
+                      <a:gd name="adj" fmla="val 25901"/>
+                    </a:avLst>
+                  </a:prstGeom>
+                  <a:solidFill>
+                    <a:srgbClr val="1FD7CA"/>
+                  </a:solidFill>
+                  <a:ln>
+                    <a:noFill/>
+                  </a:ln>
+                  <a:effectLst/>
+                </p:spPr>
+                <p:style>
+                  <a:lnRef idx="2">
+                    <a:schemeClr val="accent1">
+                      <a:shade val="50000"/>
+                    </a:schemeClr>
+                  </a:lnRef>
+                  <a:fillRef idx="1">
+                    <a:schemeClr val="accent1"/>
+                  </a:fillRef>
+                  <a:effectRef idx="0">
+                    <a:schemeClr val="accent1"/>
+                  </a:effectRef>
+                  <a:fontRef idx="minor">
+                    <a:schemeClr val="lt1"/>
+                  </a:fontRef>
+                </p:style>
+                <p:txBody>
+                  <a:bodyPr rtlCol="0" anchor="ctr"/>
+                  <a:lstStyle/>
+                  <a:p>
+                    <a:pPr algn="ctr"/>
+                    <a:r>
+                      <a:rPr lang="ko-KR" altLang="en-US" b="1" dirty="0" err="1">
+                        <a:latin typeface="야놀자 야체"/>
+                        <a:ea typeface="야놀자 야체 B" panose="02020603020101020101"/>
+                      </a:rPr>
+                      <a:t>정지운</a:t>
+                    </a:r>
+                    <a:endParaRPr lang="en-US" altLang="ko-KR" b="1" dirty="0">
+                      <a:latin typeface="야놀자 야체"/>
+                      <a:ea typeface="야놀자 야체 B" panose="02020603020101020101"/>
+                    </a:endParaRPr>
+                  </a:p>
+                </p:txBody>
+              </p:sp>
+            </p:grpSp>
+            <p:sp>
+              <p:nvSpPr>
+                <p:cNvPr id="76" name="TextBox 75">
+                  <a:extLst>
+                    <a:ext uri="{FF2B5EF4-FFF2-40B4-BE49-F238E27FC236}">
+                      <a16:creationId xmlns:a16="http://schemas.microsoft.com/office/drawing/2014/main" id="{3A232436-B2A5-485B-86BF-BF8B9C274C4A}"/>
+                    </a:ext>
+                  </a:extLst>
+                </p:cNvPr>
+                <p:cNvSpPr txBox="1"/>
+                <p:nvPr/>
+              </p:nvSpPr>
+              <p:spPr>
+                <a:xfrm>
+                  <a:off x="5366841" y="3350130"/>
+                  <a:ext cx="595036" cy="338554"/>
+                </a:xfrm>
+                <a:prstGeom prst="rect">
+                  <a:avLst/>
+                </a:prstGeom>
+                <a:noFill/>
+              </p:spPr>
+              <p:txBody>
+                <a:bodyPr wrap="none" rtlCol="0">
+                  <a:spAutoFit/>
+                </a:bodyPr>
+                <a:lstStyle/>
+                <a:p>
+                  <a:pPr algn="ctr" latinLnBrk="1"/>
+                  <a:r>
+                    <a:rPr lang="ko-KR" altLang="en-US" sz="1600" b="1" dirty="0">
+                      <a:latin typeface="10X10" panose="020D0604000000000000" pitchFamily="50" charset="-127"/>
+                      <a:ea typeface="야놀자 야체 B" panose="02020603020101020101"/>
+                    </a:rPr>
+                    <a:t>팀원</a:t>
+                  </a:r>
+                </a:p>
+              </p:txBody>
+            </p:sp>
+            <p:sp>
+              <p:nvSpPr>
+                <p:cNvPr id="77" name="직사각형 76">
+                  <a:extLst>
+                    <a:ext uri="{FF2B5EF4-FFF2-40B4-BE49-F238E27FC236}">
+                      <a16:creationId xmlns:a16="http://schemas.microsoft.com/office/drawing/2014/main" id="{7B305436-239B-4F50-8704-7A1D75535A61}"/>
+                    </a:ext>
+                  </a:extLst>
+                </p:cNvPr>
+                <p:cNvSpPr/>
+                <p:nvPr/>
+              </p:nvSpPr>
+              <p:spPr>
+                <a:xfrm>
+                  <a:off x="4923733" y="3746395"/>
+                  <a:ext cx="1581523" cy="369332"/>
+                </a:xfrm>
+                <a:prstGeom prst="rect">
+                  <a:avLst/>
+                </a:prstGeom>
+              </p:spPr>
+              <p:txBody>
+                <a:bodyPr wrap="none">
+                  <a:spAutoFit/>
+                </a:bodyPr>
+                <a:lstStyle/>
+                <a:p>
+                  <a:pPr algn="ctr" latinLnBrk="1"/>
+                  <a:r>
+                    <a:rPr lang="en-US" altLang="ko-KR" b="1" dirty="0">
+                      <a:latin typeface="10X10" panose="020D0604000000000000" pitchFamily="50" charset="-127"/>
+                      <a:ea typeface="야놀자 야체 B" panose="02020603020101020101"/>
+                    </a:rPr>
+                    <a:t>2016150036 </a:t>
+                  </a:r>
+                  <a:endParaRPr lang="ko-KR" altLang="en-US" b="1" dirty="0">
+                    <a:latin typeface="10X10" panose="020D0604000000000000" pitchFamily="50" charset="-127"/>
+                    <a:ea typeface="야놀자 야체 B" panose="02020603020101020101"/>
+                  </a:endParaRPr>
+                </a:p>
+              </p:txBody>
+            </p:sp>
+          </p:grpSp>
+          <p:sp>
+            <p:nvSpPr>
+              <p:cNvPr id="74" name="직사각형 73">
+                <a:extLst>
+                  <a:ext uri="{FF2B5EF4-FFF2-40B4-BE49-F238E27FC236}">
+                    <a16:creationId xmlns:a16="http://schemas.microsoft.com/office/drawing/2014/main" id="{AE2023F0-5975-4929-A186-CCB913792E82}"/>
+                  </a:ext>
+                </a:extLst>
+              </p:cNvPr>
+              <p:cNvSpPr/>
+              <p:nvPr/>
+            </p:nvSpPr>
+            <p:spPr>
+              <a:xfrm>
+                <a:off x="4636578" y="4163523"/>
+                <a:ext cx="2022966" cy="1200329"/>
+              </a:xfrm>
+              <a:prstGeom prst="rect">
+                <a:avLst/>
+              </a:prstGeom>
+            </p:spPr>
+            <p:txBody>
+              <a:bodyPr wrap="square">
+                <a:spAutoFit/>
+              </a:bodyPr>
+              <a:lstStyle/>
+              <a:p>
+                <a:pPr algn="ctr"/>
+                <a:r>
+                  <a:rPr lang="ko-KR" altLang="en-US" dirty="0">
+                    <a:latin typeface="맑은 고딕" panose="020B0503020000020004" pitchFamily="50" charset="-127"/>
+                    <a:ea typeface="야놀자 야체 B" panose="02020603020101020101"/>
+                  </a:rPr>
+                  <a:t>〮 </a:t>
+                </a:r>
+                <a:r>
+                  <a:rPr lang="en-US" altLang="ko-KR" dirty="0">
+                    <a:latin typeface="10X10" panose="020D0604000000000000" pitchFamily="50" charset="-127"/>
+                    <a:ea typeface="야놀자 야체 B" panose="02020603020101020101"/>
+                  </a:rPr>
+                  <a:t>UI </a:t>
+                </a:r>
+                <a:r>
+                  <a:rPr lang="ko-KR" altLang="en-US" dirty="0">
+                    <a:latin typeface="10X10" panose="020D0604000000000000" pitchFamily="50" charset="-127"/>
+                    <a:ea typeface="야놀자 야체 B" panose="02020603020101020101"/>
+                  </a:rPr>
+                  <a:t>계획</a:t>
+                </a:r>
+                <a:endParaRPr lang="en-US" altLang="ko-KR" dirty="0">
+                  <a:latin typeface="10X10" panose="020D0604000000000000" pitchFamily="50" charset="-127"/>
+                  <a:ea typeface="야놀자 야체 B" panose="02020603020101020101"/>
+                </a:endParaRPr>
+              </a:p>
+              <a:p>
+                <a:pPr algn="ctr"/>
+                <a:r>
+                  <a:rPr lang="ko-KR" altLang="en-US" dirty="0">
+                    <a:latin typeface="맑은 고딕" panose="020B0503020000020004" pitchFamily="50" charset="-127"/>
+                    <a:ea typeface="야놀자 야체 B" panose="02020603020101020101"/>
+                  </a:rPr>
+                  <a:t>〮 정보 수집</a:t>
+                </a:r>
+                <a:endParaRPr lang="en-US" altLang="ko-KR" dirty="0">
+                  <a:latin typeface="10X10" panose="020D0604000000000000" pitchFamily="50" charset="-127"/>
+                  <a:ea typeface="야놀자 야체 B" panose="02020603020101020101"/>
+                </a:endParaRPr>
+              </a:p>
+              <a:p>
+                <a:pPr algn="ctr"/>
+                <a:r>
+                  <a:rPr lang="ko-KR" altLang="en-US" dirty="0">
+                    <a:latin typeface="맑은 고딕" panose="020B0503020000020004" pitchFamily="50" charset="-127"/>
+                    <a:ea typeface="야놀자 야체 B" panose="02020603020101020101"/>
+                  </a:rPr>
+                  <a:t>〮 코드 작성</a:t>
+                </a:r>
+                <a:endParaRPr lang="ko-KR" altLang="en-US" dirty="0">
+                  <a:latin typeface="10X10" panose="020D0604000000000000" pitchFamily="50" charset="-127"/>
+                  <a:ea typeface="야놀자 야체 B" panose="02020603020101020101"/>
+                </a:endParaRPr>
+              </a:p>
+              <a:p>
+                <a:pPr algn="ctr"/>
+                <a:endParaRPr lang="en-US" altLang="ko-KR" dirty="0">
+                  <a:latin typeface="10X10" panose="020D0604000000000000" pitchFamily="50" charset="-127"/>
+                  <a:ea typeface="10X10" panose="020D0604000000000000" pitchFamily="50" charset="-127"/>
+                </a:endParaRPr>
+              </a:p>
+            </p:txBody>
+          </p:sp>
+        </p:grpSp>
+        <p:grpSp>
+          <p:nvGrpSpPr>
+            <p:cNvPr id="80" name="그룹 79">
+              <a:extLst>
+                <a:ext uri="{FF2B5EF4-FFF2-40B4-BE49-F238E27FC236}">
+                  <a16:creationId xmlns:a16="http://schemas.microsoft.com/office/drawing/2014/main" id="{984581FF-E5FE-4C28-B5E8-62A76878B5D0}"/>
+                </a:ext>
+              </a:extLst>
+            </p:cNvPr>
+            <p:cNvGrpSpPr/>
+            <p:nvPr/>
+          </p:nvGrpSpPr>
+          <p:grpSpPr>
+            <a:xfrm>
+              <a:off x="3921423" y="2470277"/>
+              <a:ext cx="2099494" cy="2303576"/>
+              <a:chOff x="6695433" y="2739317"/>
+              <a:chExt cx="2099494" cy="2303576"/>
+            </a:xfrm>
+          </p:grpSpPr>
+          <p:grpSp>
+            <p:nvGrpSpPr>
+              <p:cNvPr id="81" name="그룹 80">
+                <a:extLst>
+                  <a:ext uri="{FF2B5EF4-FFF2-40B4-BE49-F238E27FC236}">
+                    <a16:creationId xmlns:a16="http://schemas.microsoft.com/office/drawing/2014/main" id="{90A6F737-36D6-4C2B-AB43-7DDA7AA3D3F7}"/>
+                  </a:ext>
+                </a:extLst>
+              </p:cNvPr>
+              <p:cNvGrpSpPr/>
+              <p:nvPr/>
+            </p:nvGrpSpPr>
+            <p:grpSpPr>
+              <a:xfrm>
+                <a:off x="6695433" y="2739317"/>
+                <a:ext cx="2099494" cy="1341020"/>
+                <a:chOff x="6695433" y="2739317"/>
+                <a:chExt cx="2099494" cy="1341020"/>
+              </a:xfrm>
+            </p:grpSpPr>
+            <p:grpSp>
+              <p:nvGrpSpPr>
+                <p:cNvPr id="83" name="그룹 82">
+                  <a:extLst>
+                    <a:ext uri="{FF2B5EF4-FFF2-40B4-BE49-F238E27FC236}">
+                      <a16:creationId xmlns:a16="http://schemas.microsoft.com/office/drawing/2014/main" id="{5FC3473D-9423-4F52-BCC4-F00DB07AC356}"/>
+                    </a:ext>
+                  </a:extLst>
+                </p:cNvPr>
+                <p:cNvGrpSpPr/>
+                <p:nvPr/>
+              </p:nvGrpSpPr>
+              <p:grpSpPr>
+                <a:xfrm>
+                  <a:off x="6695433" y="2739317"/>
+                  <a:ext cx="2099494" cy="564067"/>
+                  <a:chOff x="1628865" y="1329789"/>
+                  <a:chExt cx="2099494" cy="564067"/>
+                </a:xfrm>
+                <a:solidFill>
+                  <a:schemeClr val="tx1">
+                    <a:lumMod val="65000"/>
+                    <a:lumOff val="35000"/>
+                  </a:schemeClr>
+                </a:solidFill>
+                <a:effectLst/>
+              </p:grpSpPr>
+              <p:sp>
+                <p:nvSpPr>
+                  <p:cNvPr id="86" name="평행 사변형 85">
+                    <a:extLst>
+                      <a:ext uri="{FF2B5EF4-FFF2-40B4-BE49-F238E27FC236}">
+                        <a16:creationId xmlns:a16="http://schemas.microsoft.com/office/drawing/2014/main" id="{B30DAB1A-1C3B-4B60-8EA6-E2437C6A9F66}"/>
+                      </a:ext>
+                    </a:extLst>
+                  </p:cNvPr>
+                  <p:cNvSpPr/>
+                  <p:nvPr/>
+                </p:nvSpPr>
+                <p:spPr>
+                  <a:xfrm rot="21044117">
+                    <a:off x="1628865" y="1464778"/>
+                    <a:ext cx="1602458" cy="429078"/>
+                  </a:xfrm>
+                  <a:prstGeom prst="parallelogram">
+                    <a:avLst>
+                      <a:gd name="adj" fmla="val 25901"/>
+                    </a:avLst>
+                  </a:prstGeom>
+                  <a:solidFill>
+                    <a:srgbClr val="7AE6D9"/>
+                  </a:solidFill>
+                  <a:ln>
+                    <a:noFill/>
+                  </a:ln>
+                  <a:effectLst>
+                    <a:softEdge rad="127000"/>
+                  </a:effectLst>
+                </p:spPr>
+                <p:style>
+                  <a:lnRef idx="2">
+                    <a:schemeClr val="accent1">
+                      <a:shade val="50000"/>
+                    </a:schemeClr>
+                  </a:lnRef>
+                  <a:fillRef idx="1">
+                    <a:schemeClr val="accent1"/>
+                  </a:fillRef>
+                  <a:effectRef idx="0">
+                    <a:schemeClr val="accent1"/>
+                  </a:effectRef>
+                  <a:fontRef idx="minor">
+                    <a:schemeClr val="lt1"/>
+                  </a:fontRef>
+                </p:style>
+                <p:txBody>
+                  <a:bodyPr rtlCol="0" anchor="ctr"/>
+                  <a:lstStyle/>
+                  <a:p>
+                    <a:pPr algn="ctr"/>
+                    <a:endParaRPr lang="ko-KR" altLang="en-US"/>
+                  </a:p>
+                </p:txBody>
+              </p:sp>
+              <p:sp>
+                <p:nvSpPr>
+                  <p:cNvPr id="87" name="평행 사변형 86">
+                    <a:extLst>
+                      <a:ext uri="{FF2B5EF4-FFF2-40B4-BE49-F238E27FC236}">
+                        <a16:creationId xmlns:a16="http://schemas.microsoft.com/office/drawing/2014/main" id="{66D58626-49F8-4C1F-A80B-4BF24139B190}"/>
+                      </a:ext>
+                    </a:extLst>
+                  </p:cNvPr>
+                  <p:cNvSpPr/>
+                  <p:nvPr/>
+                </p:nvSpPr>
+                <p:spPr>
+                  <a:xfrm>
+                    <a:off x="1752602" y="1329789"/>
                     <a:ext cx="1975757" cy="388619"/>
                   </a:xfrm>
                   <a:prstGeom prst="parallelogram">
@@ -6573,7 +7289,7 @@
                         <a:latin typeface="야놀자 야체"/>
                         <a:ea typeface="야놀자 야체 B" panose="02020603020101020101"/>
                       </a:rPr>
-                      <a:t>최원규</a:t>
+                      <a:t>임채민</a:t>
                     </a:r>
                     <a:endParaRPr lang="en-US" altLang="ko-KR" b="1" dirty="0">
                       <a:latin typeface="야놀자 야체"/>
@@ -6585,10 +7301,10 @@
             </p:grpSp>
             <p:sp>
               <p:nvSpPr>
-                <p:cNvPr id="67" name="TextBox 66">
+                <p:cNvPr id="84" name="TextBox 83">
                   <a:extLst>
                     <a:ext uri="{FF2B5EF4-FFF2-40B4-BE49-F238E27FC236}">
-                      <a16:creationId xmlns:a16="http://schemas.microsoft.com/office/drawing/2014/main" id="{FC26497F-0991-4192-9D7C-70F31D2DEE2E}"/>
+                      <a16:creationId xmlns:a16="http://schemas.microsoft.com/office/drawing/2014/main" id="{0D7CEC48-C66E-4C9D-A74A-84FAFE7C7746}"/>
                     </a:ext>
                   </a:extLst>
                 </p:cNvPr>
@@ -6597,7 +7313,7 @@
               </p:nvSpPr>
               <p:spPr>
                 <a:xfrm>
-                  <a:off x="3107637" y="3367984"/>
+                  <a:off x="7512163" y="3350400"/>
                   <a:ext cx="595036" cy="338554"/>
                 </a:xfrm>
                 <a:prstGeom prst="rect">
@@ -6624,10 +7340,10 @@
             </p:sp>
             <p:sp>
               <p:nvSpPr>
-                <p:cNvPr id="68" name="직사각형 67">
+                <p:cNvPr id="85" name="직사각형 84">
                   <a:extLst>
                     <a:ext uri="{FF2B5EF4-FFF2-40B4-BE49-F238E27FC236}">
-                      <a16:creationId xmlns:a16="http://schemas.microsoft.com/office/drawing/2014/main" id="{FC2A15EC-2189-4114-937F-46E272DDE464}"/>
+                      <a16:creationId xmlns:a16="http://schemas.microsoft.com/office/drawing/2014/main" id="{31484AC7-3ABF-4FFF-9828-EAFF25CBF20F}"/>
                     </a:ext>
                   </a:extLst>
                 </p:cNvPr>
@@ -6636,8 +7352,8 @@
               </p:nvSpPr>
               <p:spPr>
                 <a:xfrm>
-                  <a:off x="2674377" y="3732644"/>
-                  <a:ext cx="1504579" cy="369332"/>
+                  <a:off x="6941340" y="3711005"/>
+                  <a:ext cx="1678665" cy="369332"/>
                 </a:xfrm>
                 <a:prstGeom prst="rect">
                   <a:avLst/>
@@ -6655,7 +7371,7 @@
                       <a:latin typeface="10X10" panose="020D0604000000000000" pitchFamily="50" charset="-127"/>
                       <a:ea typeface="야놀자 야체 B" panose="02020603020101020101"/>
                     </a:rPr>
-                    <a:t>2016150041</a:t>
+                    <a:t> 2016150033 </a:t>
                   </a:r>
                   <a:endParaRPr lang="ko-KR" altLang="en-US" b="1" dirty="0">
                     <a:latin typeface="10X10" panose="020D0604000000000000" pitchFamily="50" charset="-127"/>
@@ -6664,886 +7380,91 @@
                 </a:p>
               </p:txBody>
             </p:sp>
-            <p:sp>
-              <p:nvSpPr>
-                <p:cNvPr id="69" name="직사각형 68">
-                  <a:extLst>
-                    <a:ext uri="{FF2B5EF4-FFF2-40B4-BE49-F238E27FC236}">
-                      <a16:creationId xmlns:a16="http://schemas.microsoft.com/office/drawing/2014/main" id="{404CF20F-472F-4069-8463-DDB972353988}"/>
-                    </a:ext>
-                  </a:extLst>
-                </p:cNvPr>
-                <p:cNvSpPr/>
-                <p:nvPr/>
-              </p:nvSpPr>
-              <p:spPr>
-                <a:xfrm>
-                  <a:off x="2345433" y="4154731"/>
-                  <a:ext cx="2022966" cy="923330"/>
-                </a:xfrm>
-                <a:prstGeom prst="rect">
-                  <a:avLst/>
-                </a:prstGeom>
-              </p:spPr>
-              <p:txBody>
-                <a:bodyPr wrap="square">
-                  <a:spAutoFit/>
-                </a:bodyPr>
-                <a:lstStyle/>
-                <a:p>
-                  <a:pPr algn="ctr"/>
-                  <a:r>
-                    <a:rPr lang="ko-KR" altLang="en-US" dirty="0">
-                      <a:latin typeface="맑은 고딕" panose="020B0503020000020004" pitchFamily="50" charset="-127"/>
-                    </a:rPr>
-                    <a:t>〮  </a:t>
-                  </a:r>
-                  <a:r>
-                    <a:rPr lang="ko-KR" altLang="en-US" dirty="0">
-                      <a:latin typeface="10X10" panose="020D0604000000000000" pitchFamily="50" charset="-127"/>
-                      <a:ea typeface="야놀자 야체 B" panose="02020603020101020101"/>
-                    </a:rPr>
-                    <a:t>기능 사항 작성</a:t>
-                  </a:r>
-                  <a:endParaRPr lang="en-US" altLang="ko-KR" dirty="0">
-                    <a:latin typeface="10X10" panose="020D0604000000000000" pitchFamily="50" charset="-127"/>
-                    <a:ea typeface="야놀자 야체 B" panose="02020603020101020101"/>
-                  </a:endParaRPr>
-                </a:p>
-                <a:p>
-                  <a:pPr algn="ctr"/>
-                  <a:r>
-                    <a:rPr lang="ko-KR" altLang="en-US" dirty="0">
-                      <a:latin typeface="맑은 고딕" panose="020B0503020000020004" pitchFamily="50" charset="-127"/>
-                      <a:ea typeface="야놀자 야체 B" panose="02020603020101020101"/>
-                    </a:rPr>
-                    <a:t>〮 정보 수집</a:t>
-                  </a:r>
-                  <a:endParaRPr lang="en-US" altLang="ko-KR" dirty="0">
-                    <a:latin typeface="맑은 고딕" panose="020B0503020000020004" pitchFamily="50" charset="-127"/>
-                    <a:ea typeface="야놀자 야체 B" panose="02020603020101020101"/>
-                  </a:endParaRPr>
-                </a:p>
-                <a:p>
-                  <a:pPr algn="ctr"/>
-                  <a:r>
-                    <a:rPr lang="ko-KR" altLang="en-US" dirty="0">
-                      <a:latin typeface="맑은 고딕" panose="020B0503020000020004" pitchFamily="50" charset="-127"/>
-                      <a:ea typeface="야놀자 야체 B" panose="02020603020101020101"/>
-                    </a:rPr>
-                    <a:t>〮 코드 작성</a:t>
-                  </a:r>
-                  <a:endParaRPr lang="en-US" altLang="ko-KR" dirty="0">
-                    <a:latin typeface="10X10" panose="020D0604000000000000" pitchFamily="50" charset="-127"/>
-                    <a:ea typeface="야놀자 야체 B" panose="02020603020101020101"/>
-                  </a:endParaRPr>
-                </a:p>
-              </p:txBody>
-            </p:sp>
           </p:grpSp>
-          <p:grpSp>
-            <p:nvGrpSpPr>
-              <p:cNvPr id="72" name="그룹 71">
+          <p:sp>
+            <p:nvSpPr>
+              <p:cNvPr id="82" name="직사각형 81">
                 <a:extLst>
                   <a:ext uri="{FF2B5EF4-FFF2-40B4-BE49-F238E27FC236}">
-                    <a16:creationId xmlns:a16="http://schemas.microsoft.com/office/drawing/2014/main" id="{5B694EF6-12A1-4702-9525-D93DAB98038F}"/>
+                    <a16:creationId xmlns:a16="http://schemas.microsoft.com/office/drawing/2014/main" id="{E0C2EF64-645E-416B-B81A-B7C8778D122D}"/>
                   </a:ext>
                 </a:extLst>
               </p:cNvPr>
-              <p:cNvGrpSpPr/>
+              <p:cNvSpPr/>
               <p:nvPr/>
-            </p:nvGrpSpPr>
-            <p:grpSpPr>
+            </p:nvSpPr>
+            <p:spPr>
               <a:xfrm>
-                <a:off x="6116153" y="2489307"/>
-                <a:ext cx="2142701" cy="2574676"/>
-                <a:chOff x="4516843" y="2789176"/>
-                <a:chExt cx="2142701" cy="2574676"/>
+                <a:off x="6726631" y="4119563"/>
+                <a:ext cx="2022966" cy="923330"/>
               </a:xfrm>
-            </p:grpSpPr>
-            <p:grpSp>
-              <p:nvGrpSpPr>
-                <p:cNvPr id="73" name="그룹 72">
-                  <a:extLst>
-                    <a:ext uri="{FF2B5EF4-FFF2-40B4-BE49-F238E27FC236}">
-                      <a16:creationId xmlns:a16="http://schemas.microsoft.com/office/drawing/2014/main" id="{55A7A2B3-64D7-461A-AC91-83A0E9929425}"/>
-                    </a:ext>
-                  </a:extLst>
-                </p:cNvPr>
-                <p:cNvGrpSpPr/>
-                <p:nvPr/>
-              </p:nvGrpSpPr>
-              <p:grpSpPr>
-                <a:xfrm>
-                  <a:off x="4516843" y="2789176"/>
-                  <a:ext cx="2099494" cy="1326551"/>
-                  <a:chOff x="4516843" y="2789176"/>
-                  <a:chExt cx="2099494" cy="1326551"/>
-                </a:xfrm>
-              </p:grpSpPr>
-              <p:grpSp>
-                <p:nvGrpSpPr>
-                  <p:cNvPr id="75" name="그룹 74">
-                    <a:extLst>
-                      <a:ext uri="{FF2B5EF4-FFF2-40B4-BE49-F238E27FC236}">
-                        <a16:creationId xmlns:a16="http://schemas.microsoft.com/office/drawing/2014/main" id="{E3755276-8623-4CF7-BED2-99833FE9347C}"/>
-                      </a:ext>
-                    </a:extLst>
-                  </p:cNvPr>
-                  <p:cNvGrpSpPr/>
-                  <p:nvPr/>
-                </p:nvGrpSpPr>
-                <p:grpSpPr>
-                  <a:xfrm>
-                    <a:off x="4516843" y="2789176"/>
-                    <a:ext cx="2099494" cy="564067"/>
-                    <a:chOff x="1628865" y="1329789"/>
-                    <a:chExt cx="2099494" cy="564067"/>
-                  </a:xfrm>
-                  <a:solidFill>
-                    <a:schemeClr val="tx1">
-                      <a:lumMod val="65000"/>
-                      <a:lumOff val="35000"/>
-                    </a:schemeClr>
-                  </a:solidFill>
-                  <a:effectLst/>
-                </p:grpSpPr>
-                <p:sp>
-                  <p:nvSpPr>
-                    <p:cNvPr id="78" name="평행 사변형 77">
-                      <a:extLst>
-                        <a:ext uri="{FF2B5EF4-FFF2-40B4-BE49-F238E27FC236}">
-                          <a16:creationId xmlns:a16="http://schemas.microsoft.com/office/drawing/2014/main" id="{14104A90-369E-4890-A24C-1256DB2D96D3}"/>
-                        </a:ext>
-                      </a:extLst>
-                    </p:cNvPr>
-                    <p:cNvSpPr/>
-                    <p:nvPr/>
-                  </p:nvSpPr>
-                  <p:spPr>
-                    <a:xfrm rot="21044117">
-                      <a:off x="1628865" y="1464778"/>
-                      <a:ext cx="1602458" cy="429078"/>
-                    </a:xfrm>
-                    <a:prstGeom prst="parallelogram">
-                      <a:avLst>
-                        <a:gd name="adj" fmla="val 25901"/>
-                      </a:avLst>
-                    </a:prstGeom>
-                    <a:solidFill>
-                      <a:srgbClr val="7AE6D9"/>
-                    </a:solidFill>
-                    <a:ln>
-                      <a:noFill/>
-                    </a:ln>
-                    <a:effectLst>
-                      <a:softEdge rad="127000"/>
-                    </a:effectLst>
-                  </p:spPr>
-                  <p:style>
-                    <a:lnRef idx="2">
-                      <a:schemeClr val="accent1">
-                        <a:shade val="50000"/>
-                      </a:schemeClr>
-                    </a:lnRef>
-                    <a:fillRef idx="1">
-                      <a:schemeClr val="accent1"/>
-                    </a:fillRef>
-                    <a:effectRef idx="0">
-                      <a:schemeClr val="accent1"/>
-                    </a:effectRef>
-                    <a:fontRef idx="minor">
-                      <a:schemeClr val="lt1"/>
-                    </a:fontRef>
-                  </p:style>
-                  <p:txBody>
-                    <a:bodyPr rtlCol="0" anchor="ctr"/>
-                    <a:lstStyle/>
-                    <a:p>
-                      <a:pPr algn="ctr"/>
-                      <a:endParaRPr lang="ko-KR" altLang="en-US"/>
-                    </a:p>
-                  </p:txBody>
-                </p:sp>
-                <p:sp>
-                  <p:nvSpPr>
-                    <p:cNvPr id="79" name="평행 사변형 78">
-                      <a:extLst>
-                        <a:ext uri="{FF2B5EF4-FFF2-40B4-BE49-F238E27FC236}">
-                          <a16:creationId xmlns:a16="http://schemas.microsoft.com/office/drawing/2014/main" id="{47898F6A-0F3F-4E0D-9C79-A480B16F5853}"/>
-                        </a:ext>
-                      </a:extLst>
-                    </p:cNvPr>
-                    <p:cNvSpPr/>
-                    <p:nvPr/>
-                  </p:nvSpPr>
-                  <p:spPr>
-                    <a:xfrm>
-                      <a:off x="1752602" y="1329789"/>
-                      <a:ext cx="1975757" cy="388619"/>
-                    </a:xfrm>
-                    <a:prstGeom prst="parallelogram">
-                      <a:avLst>
-                        <a:gd name="adj" fmla="val 25901"/>
-                      </a:avLst>
-                    </a:prstGeom>
-                    <a:solidFill>
-                      <a:srgbClr val="1FD7CA"/>
-                    </a:solidFill>
-                    <a:ln>
-                      <a:noFill/>
-                    </a:ln>
-                    <a:effectLst/>
-                  </p:spPr>
-                  <p:style>
-                    <a:lnRef idx="2">
-                      <a:schemeClr val="accent1">
-                        <a:shade val="50000"/>
-                      </a:schemeClr>
-                    </a:lnRef>
-                    <a:fillRef idx="1">
-                      <a:schemeClr val="accent1"/>
-                    </a:fillRef>
-                    <a:effectRef idx="0">
-                      <a:schemeClr val="accent1"/>
-                    </a:effectRef>
-                    <a:fontRef idx="minor">
-                      <a:schemeClr val="lt1"/>
-                    </a:fontRef>
-                  </p:style>
-                  <p:txBody>
-                    <a:bodyPr rtlCol="0" anchor="ctr"/>
-                    <a:lstStyle/>
-                    <a:p>
-                      <a:pPr algn="ctr"/>
-                      <a:r>
-                        <a:rPr lang="ko-KR" altLang="en-US" b="1" dirty="0" err="1">
-                          <a:latin typeface="야놀자 야체"/>
-                          <a:ea typeface="야놀자 야체 B" panose="02020603020101020101"/>
-                        </a:rPr>
-                        <a:t>정지운</a:t>
-                      </a:r>
-                      <a:endParaRPr lang="en-US" altLang="ko-KR" b="1" dirty="0">
-                        <a:latin typeface="야놀자 야체"/>
-                        <a:ea typeface="야놀자 야체 B" panose="02020603020101020101"/>
-                      </a:endParaRPr>
-                    </a:p>
-                  </p:txBody>
-                </p:sp>
-              </p:grpSp>
-              <p:sp>
-                <p:nvSpPr>
-                  <p:cNvPr id="76" name="TextBox 75">
-                    <a:extLst>
-                      <a:ext uri="{FF2B5EF4-FFF2-40B4-BE49-F238E27FC236}">
-                        <a16:creationId xmlns:a16="http://schemas.microsoft.com/office/drawing/2014/main" id="{3A232436-B2A5-485B-86BF-BF8B9C274C4A}"/>
-                      </a:ext>
-                    </a:extLst>
-                  </p:cNvPr>
-                  <p:cNvSpPr txBox="1"/>
-                  <p:nvPr/>
-                </p:nvSpPr>
-                <p:spPr>
-                  <a:xfrm>
-                    <a:off x="5366841" y="3350130"/>
-                    <a:ext cx="595036" cy="338554"/>
-                  </a:xfrm>
-                  <a:prstGeom prst="rect">
-                    <a:avLst/>
-                  </a:prstGeom>
-                  <a:noFill/>
-                </p:spPr>
-                <p:txBody>
-                  <a:bodyPr wrap="none" rtlCol="0">
-                    <a:spAutoFit/>
-                  </a:bodyPr>
-                  <a:lstStyle/>
-                  <a:p>
-                    <a:pPr algn="ctr" latinLnBrk="1"/>
-                    <a:r>
-                      <a:rPr lang="ko-KR" altLang="en-US" sz="1600" b="1" dirty="0">
-                        <a:latin typeface="10X10" panose="020D0604000000000000" pitchFamily="50" charset="-127"/>
-                        <a:ea typeface="야놀자 야체 B" panose="02020603020101020101"/>
-                      </a:rPr>
-                      <a:t>팀원</a:t>
-                    </a:r>
-                  </a:p>
-                </p:txBody>
-              </p:sp>
-              <p:sp>
-                <p:nvSpPr>
-                  <p:cNvPr id="77" name="직사각형 76">
-                    <a:extLst>
-                      <a:ext uri="{FF2B5EF4-FFF2-40B4-BE49-F238E27FC236}">
-                        <a16:creationId xmlns:a16="http://schemas.microsoft.com/office/drawing/2014/main" id="{7B305436-239B-4F50-8704-7A1D75535A61}"/>
-                      </a:ext>
-                    </a:extLst>
-                  </p:cNvPr>
-                  <p:cNvSpPr/>
-                  <p:nvPr/>
-                </p:nvSpPr>
-                <p:spPr>
-                  <a:xfrm>
-                    <a:off x="4923733" y="3746395"/>
-                    <a:ext cx="1581523" cy="369332"/>
-                  </a:xfrm>
-                  <a:prstGeom prst="rect">
-                    <a:avLst/>
-                  </a:prstGeom>
-                </p:spPr>
-                <p:txBody>
-                  <a:bodyPr wrap="none">
-                    <a:spAutoFit/>
-                  </a:bodyPr>
-                  <a:lstStyle/>
-                  <a:p>
-                    <a:pPr algn="ctr" latinLnBrk="1"/>
-                    <a:r>
-                      <a:rPr lang="en-US" altLang="ko-KR" b="1" dirty="0">
-                        <a:latin typeface="10X10" panose="020D0604000000000000" pitchFamily="50" charset="-127"/>
-                        <a:ea typeface="야놀자 야체 B" panose="02020603020101020101"/>
-                      </a:rPr>
-                      <a:t>2016150036 </a:t>
-                    </a:r>
-                    <a:endParaRPr lang="ko-KR" altLang="en-US" b="1" dirty="0">
-                      <a:latin typeface="10X10" panose="020D0604000000000000" pitchFamily="50" charset="-127"/>
-                      <a:ea typeface="야놀자 야체 B" panose="02020603020101020101"/>
-                    </a:endParaRPr>
-                  </a:p>
-                </p:txBody>
-              </p:sp>
-            </p:grpSp>
-            <p:sp>
-              <p:nvSpPr>
-                <p:cNvPr id="74" name="직사각형 73">
-                  <a:extLst>
-                    <a:ext uri="{FF2B5EF4-FFF2-40B4-BE49-F238E27FC236}">
-                      <a16:creationId xmlns:a16="http://schemas.microsoft.com/office/drawing/2014/main" id="{AE2023F0-5975-4929-A186-CCB913792E82}"/>
-                    </a:ext>
-                  </a:extLst>
-                </p:cNvPr>
-                <p:cNvSpPr/>
-                <p:nvPr/>
-              </p:nvSpPr>
-              <p:spPr>
-                <a:xfrm>
-                  <a:off x="4636578" y="4163523"/>
-                  <a:ext cx="2022966" cy="1200329"/>
-                </a:xfrm>
-                <a:prstGeom prst="rect">
-                  <a:avLst/>
-                </a:prstGeom>
-              </p:spPr>
-              <p:txBody>
-                <a:bodyPr wrap="square">
-                  <a:spAutoFit/>
-                </a:bodyPr>
-                <a:lstStyle/>
-                <a:p>
-                  <a:pPr algn="ctr"/>
-                  <a:r>
-                    <a:rPr lang="ko-KR" altLang="en-US" dirty="0">
-                      <a:latin typeface="맑은 고딕" panose="020B0503020000020004" pitchFamily="50" charset="-127"/>
-                      <a:ea typeface="야놀자 야체 B" panose="02020603020101020101"/>
-                    </a:rPr>
-                    <a:t>〮 </a:t>
-                  </a:r>
-                  <a:r>
-                    <a:rPr lang="en-US" altLang="ko-KR" dirty="0">
-                      <a:latin typeface="10X10" panose="020D0604000000000000" pitchFamily="50" charset="-127"/>
-                      <a:ea typeface="야놀자 야체 B" panose="02020603020101020101"/>
-                    </a:rPr>
-                    <a:t>UI </a:t>
-                  </a:r>
-                  <a:r>
-                    <a:rPr lang="ko-KR" altLang="en-US" dirty="0">
-                      <a:latin typeface="10X10" panose="020D0604000000000000" pitchFamily="50" charset="-127"/>
-                      <a:ea typeface="야놀자 야체 B" panose="02020603020101020101"/>
-                    </a:rPr>
-                    <a:t>계획</a:t>
-                  </a:r>
-                  <a:endParaRPr lang="en-US" altLang="ko-KR" dirty="0">
+              <a:prstGeom prst="rect">
+                <a:avLst/>
+              </a:prstGeom>
+            </p:spPr>
+            <p:txBody>
+              <a:bodyPr wrap="square">
+                <a:spAutoFit/>
+              </a:bodyPr>
+              <a:lstStyle/>
+              <a:p>
+                <a:pPr algn="ctr"/>
+                <a:r>
+                  <a:rPr lang="ko-KR" altLang="en-US" dirty="0">
+                    <a:latin typeface="맑은 고딕" panose="020B0503020000020004" pitchFamily="50" charset="-127"/>
+                    <a:ea typeface="야놀자 야체 B" panose="02020603020101020101"/>
+                  </a:rPr>
+                  <a:t>〮 </a:t>
+                </a:r>
+                <a:r>
+                  <a:rPr lang="ko-KR" altLang="en-US" dirty="0">
                     <a:latin typeface="10X10" panose="020D0604000000000000" pitchFamily="50" charset="-127"/>
                     <a:ea typeface="야놀자 야체 B" panose="02020603020101020101"/>
-                  </a:endParaRPr>
-                </a:p>
-                <a:p>
-                  <a:pPr algn="ctr"/>
-                  <a:r>
-                    <a:rPr lang="ko-KR" altLang="en-US" dirty="0">
-                      <a:latin typeface="맑은 고딕" panose="020B0503020000020004" pitchFamily="50" charset="-127"/>
-                      <a:ea typeface="야놀자 야체 B" panose="02020603020101020101"/>
-                    </a:rPr>
-                    <a:t>〮 정보 수집</a:t>
-                  </a:r>
-                  <a:endParaRPr lang="en-US" altLang="ko-KR" dirty="0">
-                    <a:latin typeface="10X10" panose="020D0604000000000000" pitchFamily="50" charset="-127"/>
+                  </a:rPr>
+                  <a:t>디자인</a:t>
+                </a:r>
+                <a:endParaRPr lang="en-US" altLang="ko-KR" dirty="0">
+                  <a:latin typeface="10X10" panose="020D0604000000000000" pitchFamily="50" charset="-127"/>
+                  <a:ea typeface="야놀자 야체 B" panose="02020603020101020101"/>
+                </a:endParaRPr>
+              </a:p>
+              <a:p>
+                <a:pPr algn="ctr"/>
+                <a:r>
+                  <a:rPr lang="ko-KR" altLang="en-US" dirty="0">
+                    <a:latin typeface="맑은 고딕" panose="020B0503020000020004" pitchFamily="50" charset="-127"/>
                     <a:ea typeface="야놀자 야체 B" panose="02020603020101020101"/>
-                  </a:endParaRPr>
-                </a:p>
-                <a:p>
-                  <a:pPr algn="ctr"/>
-                  <a:r>
-                    <a:rPr lang="ko-KR" altLang="en-US" dirty="0">
-                      <a:latin typeface="맑은 고딕" panose="020B0503020000020004" pitchFamily="50" charset="-127"/>
-                      <a:ea typeface="야놀자 야체 B" panose="02020603020101020101"/>
-                    </a:rPr>
-                    <a:t>〮 코드 작성</a:t>
-                  </a:r>
-                  <a:endParaRPr lang="ko-KR" altLang="en-US" dirty="0">
-                    <a:latin typeface="10X10" panose="020D0604000000000000" pitchFamily="50" charset="-127"/>
+                  </a:rPr>
+                  <a:t>〮 정보 수집</a:t>
+                </a:r>
+                <a:endParaRPr lang="ko-KR" altLang="en-US" dirty="0">
+                  <a:latin typeface="10X10" panose="020D0604000000000000" pitchFamily="50" charset="-127"/>
+                  <a:ea typeface="야놀자 야체 B" panose="02020603020101020101"/>
+                </a:endParaRPr>
+              </a:p>
+              <a:p>
+                <a:pPr algn="ctr"/>
+                <a:r>
+                  <a:rPr lang="ko-KR" altLang="en-US" dirty="0">
+                    <a:latin typeface="맑은 고딕" panose="020B0503020000020004" pitchFamily="50" charset="-127"/>
                     <a:ea typeface="야놀자 야체 B" panose="02020603020101020101"/>
-                  </a:endParaRPr>
-                </a:p>
-                <a:p>
-                  <a:pPr algn="ctr"/>
-                  <a:endParaRPr lang="en-US" altLang="ko-KR" dirty="0">
-                    <a:latin typeface="10X10" panose="020D0604000000000000" pitchFamily="50" charset="-127"/>
-                    <a:ea typeface="10X10" panose="020D0604000000000000" pitchFamily="50" charset="-127"/>
-                  </a:endParaRPr>
-                </a:p>
-              </p:txBody>
-            </p:sp>
-          </p:grpSp>
-          <p:grpSp>
-            <p:nvGrpSpPr>
-              <p:cNvPr id="80" name="그룹 79">
-                <a:extLst>
-                  <a:ext uri="{FF2B5EF4-FFF2-40B4-BE49-F238E27FC236}">
-                    <a16:creationId xmlns:a16="http://schemas.microsoft.com/office/drawing/2014/main" id="{984581FF-E5FE-4C28-B5E8-62A76878B5D0}"/>
-                  </a:ext>
-                </a:extLst>
-              </p:cNvPr>
-              <p:cNvGrpSpPr/>
-              <p:nvPr/>
-            </p:nvGrpSpPr>
-            <p:grpSpPr>
-              <a:xfrm>
-                <a:off x="3921423" y="2470277"/>
-                <a:ext cx="2099494" cy="2303576"/>
-                <a:chOff x="6695433" y="2739317"/>
-                <a:chExt cx="2099494" cy="2303576"/>
-              </a:xfrm>
-            </p:grpSpPr>
-            <p:grpSp>
-              <p:nvGrpSpPr>
-                <p:cNvPr id="81" name="그룹 80">
-                  <a:extLst>
-                    <a:ext uri="{FF2B5EF4-FFF2-40B4-BE49-F238E27FC236}">
-                      <a16:creationId xmlns:a16="http://schemas.microsoft.com/office/drawing/2014/main" id="{90A6F737-36D6-4C2B-AB43-7DDA7AA3D3F7}"/>
-                    </a:ext>
-                  </a:extLst>
-                </p:cNvPr>
-                <p:cNvGrpSpPr/>
-                <p:nvPr/>
-              </p:nvGrpSpPr>
-              <p:grpSpPr>
-                <a:xfrm>
-                  <a:off x="6695433" y="2739317"/>
-                  <a:ext cx="2099494" cy="1341020"/>
-                  <a:chOff x="6695433" y="2739317"/>
-                  <a:chExt cx="2099494" cy="1341020"/>
-                </a:xfrm>
-              </p:grpSpPr>
-              <p:grpSp>
-                <p:nvGrpSpPr>
-                  <p:cNvPr id="83" name="그룹 82">
-                    <a:extLst>
-                      <a:ext uri="{FF2B5EF4-FFF2-40B4-BE49-F238E27FC236}">
-                        <a16:creationId xmlns:a16="http://schemas.microsoft.com/office/drawing/2014/main" id="{5FC3473D-9423-4F52-BCC4-F00DB07AC356}"/>
-                      </a:ext>
-                    </a:extLst>
-                  </p:cNvPr>
-                  <p:cNvGrpSpPr/>
-                  <p:nvPr/>
-                </p:nvGrpSpPr>
-                <p:grpSpPr>
-                  <a:xfrm>
-                    <a:off x="6695433" y="2739317"/>
-                    <a:ext cx="2099494" cy="564067"/>
-                    <a:chOff x="1628865" y="1329789"/>
-                    <a:chExt cx="2099494" cy="564067"/>
-                  </a:xfrm>
-                  <a:solidFill>
-                    <a:schemeClr val="tx1">
-                      <a:lumMod val="65000"/>
-                      <a:lumOff val="35000"/>
-                    </a:schemeClr>
-                  </a:solidFill>
-                  <a:effectLst/>
-                </p:grpSpPr>
-                <p:sp>
-                  <p:nvSpPr>
-                    <p:cNvPr id="86" name="평행 사변형 85">
-                      <a:extLst>
-                        <a:ext uri="{FF2B5EF4-FFF2-40B4-BE49-F238E27FC236}">
-                          <a16:creationId xmlns:a16="http://schemas.microsoft.com/office/drawing/2014/main" id="{B30DAB1A-1C3B-4B60-8EA6-E2437C6A9F66}"/>
-                        </a:ext>
-                      </a:extLst>
-                    </p:cNvPr>
-                    <p:cNvSpPr/>
-                    <p:nvPr/>
-                  </p:nvSpPr>
-                  <p:spPr>
-                    <a:xfrm rot="21044117">
-                      <a:off x="1628865" y="1464778"/>
-                      <a:ext cx="1602458" cy="429078"/>
-                    </a:xfrm>
-                    <a:prstGeom prst="parallelogram">
-                      <a:avLst>
-                        <a:gd name="adj" fmla="val 25901"/>
-                      </a:avLst>
-                    </a:prstGeom>
-                    <a:solidFill>
-                      <a:srgbClr val="7AE6D9"/>
-                    </a:solidFill>
-                    <a:ln>
-                      <a:noFill/>
-                    </a:ln>
-                    <a:effectLst>
-                      <a:softEdge rad="127000"/>
-                    </a:effectLst>
-                  </p:spPr>
-                  <p:style>
-                    <a:lnRef idx="2">
-                      <a:schemeClr val="accent1">
-                        <a:shade val="50000"/>
-                      </a:schemeClr>
-                    </a:lnRef>
-                    <a:fillRef idx="1">
-                      <a:schemeClr val="accent1"/>
-                    </a:fillRef>
-                    <a:effectRef idx="0">
-                      <a:schemeClr val="accent1"/>
-                    </a:effectRef>
-                    <a:fontRef idx="minor">
-                      <a:schemeClr val="lt1"/>
-                    </a:fontRef>
-                  </p:style>
-                  <p:txBody>
-                    <a:bodyPr rtlCol="0" anchor="ctr"/>
-                    <a:lstStyle/>
-                    <a:p>
-                      <a:pPr algn="ctr"/>
-                      <a:endParaRPr lang="ko-KR" altLang="en-US"/>
-                    </a:p>
-                  </p:txBody>
-                </p:sp>
-                <p:sp>
-                  <p:nvSpPr>
-                    <p:cNvPr id="87" name="평행 사변형 86">
-                      <a:extLst>
-                        <a:ext uri="{FF2B5EF4-FFF2-40B4-BE49-F238E27FC236}">
-                          <a16:creationId xmlns:a16="http://schemas.microsoft.com/office/drawing/2014/main" id="{66D58626-49F8-4C1F-A80B-4BF24139B190}"/>
-                        </a:ext>
-                      </a:extLst>
-                    </p:cNvPr>
-                    <p:cNvSpPr/>
-                    <p:nvPr/>
-                  </p:nvSpPr>
-                  <p:spPr>
-                    <a:xfrm>
-                      <a:off x="1752602" y="1329789"/>
-                      <a:ext cx="1975757" cy="388619"/>
-                    </a:xfrm>
-                    <a:prstGeom prst="parallelogram">
-                      <a:avLst>
-                        <a:gd name="adj" fmla="val 25901"/>
-                      </a:avLst>
-                    </a:prstGeom>
-                    <a:solidFill>
-                      <a:srgbClr val="1FD7CA"/>
-                    </a:solidFill>
-                    <a:ln>
-                      <a:noFill/>
-                    </a:ln>
-                    <a:effectLst/>
-                  </p:spPr>
-                  <p:style>
-                    <a:lnRef idx="2">
-                      <a:schemeClr val="accent1">
-                        <a:shade val="50000"/>
-                      </a:schemeClr>
-                    </a:lnRef>
-                    <a:fillRef idx="1">
-                      <a:schemeClr val="accent1"/>
-                    </a:fillRef>
-                    <a:effectRef idx="0">
-                      <a:schemeClr val="accent1"/>
-                    </a:effectRef>
-                    <a:fontRef idx="minor">
-                      <a:schemeClr val="lt1"/>
-                    </a:fontRef>
-                  </p:style>
-                  <p:txBody>
-                    <a:bodyPr rtlCol="0" anchor="ctr"/>
-                    <a:lstStyle/>
-                    <a:p>
-                      <a:pPr algn="ctr"/>
-                      <a:r>
-                        <a:rPr lang="ko-KR" altLang="en-US" b="1" dirty="0">
-                          <a:latin typeface="야놀자 야체"/>
-                          <a:ea typeface="야놀자 야체 B" panose="02020603020101020101"/>
-                        </a:rPr>
-                        <a:t>임채민</a:t>
-                      </a:r>
-                      <a:endParaRPr lang="en-US" altLang="ko-KR" b="1" dirty="0">
-                        <a:latin typeface="야놀자 야체"/>
-                        <a:ea typeface="야놀자 야체 B" panose="02020603020101020101"/>
-                      </a:endParaRPr>
-                    </a:p>
-                  </p:txBody>
-                </p:sp>
-              </p:grpSp>
-              <p:sp>
-                <p:nvSpPr>
-                  <p:cNvPr id="84" name="TextBox 83">
-                    <a:extLst>
-                      <a:ext uri="{FF2B5EF4-FFF2-40B4-BE49-F238E27FC236}">
-                        <a16:creationId xmlns:a16="http://schemas.microsoft.com/office/drawing/2014/main" id="{0D7CEC48-C66E-4C9D-A74A-84FAFE7C7746}"/>
-                      </a:ext>
-                    </a:extLst>
-                  </p:cNvPr>
-                  <p:cNvSpPr txBox="1"/>
-                  <p:nvPr/>
-                </p:nvSpPr>
-                <p:spPr>
-                  <a:xfrm>
-                    <a:off x="7512163" y="3350400"/>
-                    <a:ext cx="595036" cy="338554"/>
-                  </a:xfrm>
-                  <a:prstGeom prst="rect">
-                    <a:avLst/>
-                  </a:prstGeom>
-                  <a:noFill/>
-                </p:spPr>
-                <p:txBody>
-                  <a:bodyPr wrap="none" rtlCol="0">
-                    <a:spAutoFit/>
-                  </a:bodyPr>
-                  <a:lstStyle/>
-                  <a:p>
-                    <a:pPr algn="ctr" latinLnBrk="1"/>
-                    <a:r>
-                      <a:rPr lang="ko-KR" altLang="en-US" sz="1600" b="1" dirty="0">
-                        <a:latin typeface="10X10" panose="020D0604000000000000" pitchFamily="50" charset="-127"/>
-                        <a:ea typeface="야놀자 야체 B" panose="02020603020101020101"/>
-                      </a:rPr>
-                      <a:t>팀원</a:t>
-                    </a:r>
-                  </a:p>
-                </p:txBody>
-              </p:sp>
-              <p:sp>
-                <p:nvSpPr>
-                  <p:cNvPr id="85" name="직사각형 84">
-                    <a:extLst>
-                      <a:ext uri="{FF2B5EF4-FFF2-40B4-BE49-F238E27FC236}">
-                        <a16:creationId xmlns:a16="http://schemas.microsoft.com/office/drawing/2014/main" id="{31484AC7-3ABF-4FFF-9828-EAFF25CBF20F}"/>
-                      </a:ext>
-                    </a:extLst>
-                  </p:cNvPr>
-                  <p:cNvSpPr/>
-                  <p:nvPr/>
-                </p:nvSpPr>
-                <p:spPr>
-                  <a:xfrm>
-                    <a:off x="6941340" y="3711005"/>
-                    <a:ext cx="1678665" cy="369332"/>
-                  </a:xfrm>
-                  <a:prstGeom prst="rect">
-                    <a:avLst/>
-                  </a:prstGeom>
-                </p:spPr>
-                <p:txBody>
-                  <a:bodyPr wrap="none">
-                    <a:spAutoFit/>
-                  </a:bodyPr>
-                  <a:lstStyle/>
-                  <a:p>
-                    <a:pPr algn="ctr" latinLnBrk="1"/>
-                    <a:r>
-                      <a:rPr lang="en-US" altLang="ko-KR" b="1" dirty="0">
-                        <a:latin typeface="10X10" panose="020D0604000000000000" pitchFamily="50" charset="-127"/>
-                        <a:ea typeface="야놀자 야체 B" panose="02020603020101020101"/>
-                      </a:rPr>
-                      <a:t> 2016150033 </a:t>
-                    </a:r>
-                    <a:endParaRPr lang="ko-KR" altLang="en-US" b="1" dirty="0">
-                      <a:latin typeface="10X10" panose="020D0604000000000000" pitchFamily="50" charset="-127"/>
-                      <a:ea typeface="야놀자 야체 B" panose="02020603020101020101"/>
-                    </a:endParaRPr>
-                  </a:p>
-                </p:txBody>
-              </p:sp>
-            </p:grpSp>
-            <p:sp>
-              <p:nvSpPr>
-                <p:cNvPr id="82" name="직사각형 81">
-                  <a:extLst>
-                    <a:ext uri="{FF2B5EF4-FFF2-40B4-BE49-F238E27FC236}">
-                      <a16:creationId xmlns:a16="http://schemas.microsoft.com/office/drawing/2014/main" id="{E0C2EF64-645E-416B-B81A-B7C8778D122D}"/>
-                    </a:ext>
-                  </a:extLst>
-                </p:cNvPr>
-                <p:cNvSpPr/>
-                <p:nvPr/>
-              </p:nvSpPr>
-              <p:spPr>
-                <a:xfrm>
-                  <a:off x="6726631" y="4119563"/>
-                  <a:ext cx="2022966" cy="923330"/>
-                </a:xfrm>
-                <a:prstGeom prst="rect">
-                  <a:avLst/>
-                </a:prstGeom>
-              </p:spPr>
-              <p:txBody>
-                <a:bodyPr wrap="square">
-                  <a:spAutoFit/>
-                </a:bodyPr>
-                <a:lstStyle/>
-                <a:p>
-                  <a:pPr algn="ctr"/>
-                  <a:r>
-                    <a:rPr lang="ko-KR" altLang="en-US" dirty="0">
-                      <a:latin typeface="맑은 고딕" panose="020B0503020000020004" pitchFamily="50" charset="-127"/>
-                      <a:ea typeface="야놀자 야체 B" panose="02020603020101020101"/>
-                    </a:rPr>
-                    <a:t>〮 </a:t>
-                  </a:r>
-                  <a:r>
-                    <a:rPr lang="ko-KR" altLang="en-US" dirty="0">
-                      <a:latin typeface="10X10" panose="020D0604000000000000" pitchFamily="50" charset="-127"/>
-                      <a:ea typeface="야놀자 야체 B" panose="02020603020101020101"/>
-                    </a:rPr>
-                    <a:t>디자인</a:t>
-                  </a:r>
-                  <a:endParaRPr lang="en-US" altLang="ko-KR" dirty="0">
-                    <a:latin typeface="10X10" panose="020D0604000000000000" pitchFamily="50" charset="-127"/>
-                    <a:ea typeface="야놀자 야체 B" panose="02020603020101020101"/>
-                  </a:endParaRPr>
-                </a:p>
-                <a:p>
-                  <a:pPr algn="ctr"/>
-                  <a:r>
-                    <a:rPr lang="ko-KR" altLang="en-US" dirty="0">
-                      <a:latin typeface="맑은 고딕" panose="020B0503020000020004" pitchFamily="50" charset="-127"/>
-                      <a:ea typeface="야놀자 야체 B" panose="02020603020101020101"/>
-                    </a:rPr>
-                    <a:t>〮 정보 수집</a:t>
-                  </a:r>
-                  <a:endParaRPr lang="ko-KR" altLang="en-US" dirty="0">
-                    <a:latin typeface="10X10" panose="020D0604000000000000" pitchFamily="50" charset="-127"/>
-                    <a:ea typeface="야놀자 야체 B" panose="02020603020101020101"/>
-                  </a:endParaRPr>
-                </a:p>
-                <a:p>
-                  <a:pPr algn="ctr"/>
-                  <a:r>
-                    <a:rPr lang="ko-KR" altLang="en-US" dirty="0">
-                      <a:latin typeface="맑은 고딕" panose="020B0503020000020004" pitchFamily="50" charset="-127"/>
-                      <a:ea typeface="야놀자 야체 B" panose="02020603020101020101"/>
-                    </a:rPr>
-                    <a:t>〮 코드 작성</a:t>
-                  </a:r>
-                  <a:endParaRPr lang="ko-KR" altLang="en-US" dirty="0">
-                    <a:latin typeface="10X10" panose="020D0604000000000000" pitchFamily="50" charset="-127"/>
-                    <a:ea typeface="야놀자 야체 B" panose="02020603020101020101"/>
-                  </a:endParaRPr>
-                </a:p>
-              </p:txBody>
-            </p:sp>
-          </p:grpSp>
-          <p:cxnSp>
-            <p:nvCxnSpPr>
-              <p:cNvPr id="88" name="직선 연결선 87">
-                <a:extLst>
-                  <a:ext uri="{FF2B5EF4-FFF2-40B4-BE49-F238E27FC236}">
-                    <a16:creationId xmlns:a16="http://schemas.microsoft.com/office/drawing/2014/main" id="{7E3C1C28-699B-4D94-83AC-8A764614D42E}"/>
-                  </a:ext>
-                </a:extLst>
-              </p:cNvPr>
-              <p:cNvCxnSpPr>
-                <a:cxnSpLocks/>
-              </p:cNvCxnSpPr>
-              <p:nvPr/>
-            </p:nvCxnSpPr>
-            <p:spPr>
-              <a:xfrm>
-                <a:off x="6094497" y="2513872"/>
-                <a:ext cx="18160" cy="2326310"/>
-              </a:xfrm>
-              <a:prstGeom prst="line">
-                <a:avLst/>
-              </a:prstGeom>
-              <a:ln w="19050">
-                <a:prstDash val="sysDash"/>
-              </a:ln>
-            </p:spPr>
-            <p:style>
-              <a:lnRef idx="2">
-                <a:schemeClr val="accent5"/>
-              </a:lnRef>
-              <a:fillRef idx="0">
-                <a:schemeClr val="accent5"/>
-              </a:fillRef>
-              <a:effectRef idx="1">
-                <a:schemeClr val="accent5"/>
-              </a:effectRef>
-              <a:fontRef idx="minor">
-                <a:schemeClr val="tx1"/>
-              </a:fontRef>
-            </p:style>
-          </p:cxnSp>
-          <p:cxnSp>
-            <p:nvCxnSpPr>
-              <p:cNvPr id="89" name="직선 연결선 88">
-                <a:extLst>
-                  <a:ext uri="{FF2B5EF4-FFF2-40B4-BE49-F238E27FC236}">
-                    <a16:creationId xmlns:a16="http://schemas.microsoft.com/office/drawing/2014/main" id="{2BE625EC-E675-4329-9FEB-36E84E67FA93}"/>
-                  </a:ext>
-                </a:extLst>
-              </p:cNvPr>
-              <p:cNvCxnSpPr>
-                <a:cxnSpLocks/>
-              </p:cNvCxnSpPr>
-              <p:nvPr/>
-            </p:nvCxnSpPr>
-            <p:spPr>
-              <a:xfrm>
-                <a:off x="8379743" y="2522654"/>
-                <a:ext cx="18092" cy="2317528"/>
-              </a:xfrm>
-              <a:prstGeom prst="line">
-                <a:avLst/>
-              </a:prstGeom>
-              <a:ln w="19050">
-                <a:prstDash val="sysDash"/>
-              </a:ln>
-            </p:spPr>
-            <p:style>
-              <a:lnRef idx="2">
-                <a:schemeClr val="accent5"/>
-              </a:lnRef>
-              <a:fillRef idx="0">
-                <a:schemeClr val="accent5"/>
-              </a:fillRef>
-              <a:effectRef idx="1">
-                <a:schemeClr val="accent5"/>
-              </a:effectRef>
-              <a:fontRef idx="minor">
-                <a:schemeClr val="tx1"/>
-              </a:fontRef>
-            </p:style>
-          </p:cxnSp>
+                  </a:rPr>
+                  <a:t>〮 코드 작성</a:t>
+                </a:r>
+                <a:endParaRPr lang="ko-KR" altLang="en-US" dirty="0">
+                  <a:latin typeface="10X10" panose="020D0604000000000000" pitchFamily="50" charset="-127"/>
+                  <a:ea typeface="야놀자 야체 B" panose="02020603020101020101"/>
+                </a:endParaRPr>
+              </a:p>
+            </p:txBody>
+          </p:sp>
         </p:grpSp>
         <p:cxnSp>
           <p:nvCxnSpPr>
-            <p:cNvPr id="90" name="직선 연결선 89">
+            <p:cNvPr id="88" name="직선 연결선 87">
               <a:extLst>
                 <a:ext uri="{FF2B5EF4-FFF2-40B4-BE49-F238E27FC236}">
-                  <a16:creationId xmlns:a16="http://schemas.microsoft.com/office/drawing/2014/main" id="{2B1B9743-883B-47B4-997E-F3B54245A56F}"/>
+                  <a16:creationId xmlns:a16="http://schemas.microsoft.com/office/drawing/2014/main" id="{7E3C1C28-699B-4D94-83AC-8A764614D42E}"/>
                 </a:ext>
               </a:extLst>
             </p:cNvPr>
@@ -7554,8 +7475,49 @@
           </p:nvCxnSpPr>
           <p:spPr>
             <a:xfrm>
-              <a:off x="10525063" y="2522924"/>
-              <a:ext cx="18296" cy="2343716"/>
+              <a:off x="6094497" y="2513872"/>
+              <a:ext cx="18160" cy="2326310"/>
+            </a:xfrm>
+            <a:prstGeom prst="line">
+              <a:avLst/>
+            </a:prstGeom>
+            <a:ln w="19050">
+              <a:prstDash val="sysDash"/>
+            </a:ln>
+          </p:spPr>
+          <p:style>
+            <a:lnRef idx="2">
+              <a:schemeClr val="accent5"/>
+            </a:lnRef>
+            <a:fillRef idx="0">
+              <a:schemeClr val="accent5"/>
+            </a:fillRef>
+            <a:effectRef idx="1">
+              <a:schemeClr val="accent5"/>
+            </a:effectRef>
+            <a:fontRef idx="minor">
+              <a:schemeClr val="tx1"/>
+            </a:fontRef>
+          </p:style>
+        </p:cxnSp>
+        <p:cxnSp>
+          <p:nvCxnSpPr>
+            <p:cNvPr id="89" name="직선 연결선 88">
+              <a:extLst>
+                <a:ext uri="{FF2B5EF4-FFF2-40B4-BE49-F238E27FC236}">
+                  <a16:creationId xmlns:a16="http://schemas.microsoft.com/office/drawing/2014/main" id="{2BE625EC-E675-4329-9FEB-36E84E67FA93}"/>
+                </a:ext>
+              </a:extLst>
+            </p:cNvPr>
+            <p:cNvCxnSpPr>
+              <a:cxnSpLocks/>
+            </p:cNvCxnSpPr>
+            <p:nvPr/>
+          </p:nvCxnSpPr>
+          <p:spPr>
+            <a:xfrm>
+              <a:off x="8379743" y="2522654"/>
+              <a:ext cx="18092" cy="2317528"/>
             </a:xfrm>
             <a:prstGeom prst="line">
               <a:avLst/>
@@ -9148,8 +9110,8 @@
         </p:nvSpPr>
         <p:spPr>
           <a:xfrm>
-            <a:off x="1374784" y="1838499"/>
-            <a:ext cx="13032095" cy="4617611"/>
+            <a:off x="1374785" y="1838499"/>
+            <a:ext cx="6808634" cy="4617611"/>
           </a:xfrm>
           <a:prstGeom prst="rect">
             <a:avLst/>
@@ -10220,16 +10182,6 @@
                 </a:lnSpc>
               </a:pPr>
               <a:r>
-                <a:rPr lang="ko-KR" altLang="en-US" sz="2500" b="1" dirty="0" err="1">
-                  <a:solidFill>
-                    <a:prstClr val="white">
-                      <a:lumMod val="50000"/>
-                    </a:prstClr>
-                  </a:solidFill>
-                </a:rPr>
-                <a:t>앱화면</a:t>
-              </a:r>
-              <a:r>
                 <a:rPr lang="ko-KR" altLang="en-US" sz="2500" b="1" dirty="0">
                   <a:solidFill>
                     <a:prstClr val="white">
@@ -10237,7 +10189,7 @@
                     </a:prstClr>
                   </a:solidFill>
                 </a:rPr>
-                <a:t> 구성 </a:t>
+                <a:t>앱 화면 구성 </a:t>
               </a:r>
               <a:r>
                 <a:rPr lang="en-US" altLang="ko-KR" sz="2500" b="1" dirty="0">
@@ -10331,10 +10283,10 @@
       </p:grpSp>
       <p:pic>
         <p:nvPicPr>
-          <p:cNvPr id="13" name="그림 12">
+          <p:cNvPr id="20" name="그림 19" descr="스크린샷이(가) 표시된 사진&#10;&#10;자동 생성된 설명">
             <a:extLst>
               <a:ext uri="{FF2B5EF4-FFF2-40B4-BE49-F238E27FC236}">
-                <a16:creationId xmlns:a16="http://schemas.microsoft.com/office/drawing/2014/main" id="{D2ABA39C-53A6-41B1-B07B-86000AF6B8E9}"/>
+                <a16:creationId xmlns:a16="http://schemas.microsoft.com/office/drawing/2014/main" id="{C6561A29-AE2F-404B-99C2-A75CC16EA003}"/>
               </a:ext>
             </a:extLst>
           </p:cNvPr>
@@ -10344,21 +10296,219 @@
           <p:nvPr/>
         </p:nvPicPr>
         <p:blipFill>
-          <a:blip r:embed="rId2"/>
+          <a:blip r:embed="rId2" cstate="print">
+            <a:extLst>
+              <a:ext uri="{28A0092B-C50C-407E-A947-70E740481C1C}">
+                <a14:useLocalDpi xmlns:a14="http://schemas.microsoft.com/office/drawing/2010/main" val="0"/>
+              </a:ext>
+            </a:extLst>
+          </a:blip>
           <a:stretch>
             <a:fillRect/>
           </a:stretch>
         </p:blipFill>
         <p:spPr>
           <a:xfrm>
-            <a:off x="1322713" y="1885283"/>
-            <a:ext cx="9266627" cy="4104640"/>
+            <a:off x="1946574" y="2115312"/>
+            <a:ext cx="1746986" cy="3600000"/>
           </a:xfrm>
           <a:prstGeom prst="rect">
             <a:avLst/>
           </a:prstGeom>
         </p:spPr>
       </p:pic>
+      <p:pic>
+        <p:nvPicPr>
+          <p:cNvPr id="22" name="그림 21" descr="스크린샷이(가) 표시된 사진&#10;&#10;자동 생성된 설명">
+            <a:extLst>
+              <a:ext uri="{FF2B5EF4-FFF2-40B4-BE49-F238E27FC236}">
+                <a16:creationId xmlns:a16="http://schemas.microsoft.com/office/drawing/2014/main" id="{B3DBC37E-5259-4112-B69E-227FCB85E697}"/>
+              </a:ext>
+            </a:extLst>
+          </p:cNvPr>
+          <p:cNvPicPr>
+            <a:picLocks noChangeAspect="1"/>
+          </p:cNvPicPr>
+          <p:nvPr/>
+        </p:nvPicPr>
+        <p:blipFill>
+          <a:blip r:embed="rId3" cstate="print">
+            <a:extLst>
+              <a:ext uri="{28A0092B-C50C-407E-A947-70E740481C1C}">
+                <a14:useLocalDpi xmlns:a14="http://schemas.microsoft.com/office/drawing/2010/main" val="0"/>
+              </a:ext>
+            </a:extLst>
+          </a:blip>
+          <a:stretch>
+            <a:fillRect/>
+          </a:stretch>
+        </p:blipFill>
+        <p:spPr>
+          <a:xfrm>
+            <a:off x="5217633" y="2115312"/>
+            <a:ext cx="1746986" cy="3600000"/>
+          </a:xfrm>
+          <a:prstGeom prst="rect">
+            <a:avLst/>
+          </a:prstGeom>
+        </p:spPr>
+      </p:pic>
+      <p:pic>
+        <p:nvPicPr>
+          <p:cNvPr id="24" name="그림 23" descr="텍스트, 지도이(가) 표시된 사진&#10;&#10;자동 생성된 설명">
+            <a:extLst>
+              <a:ext uri="{FF2B5EF4-FFF2-40B4-BE49-F238E27FC236}">
+                <a16:creationId xmlns:a16="http://schemas.microsoft.com/office/drawing/2014/main" id="{E7C9CA40-2CEF-4D56-B717-84EACF872F60}"/>
+              </a:ext>
+            </a:extLst>
+          </p:cNvPr>
+          <p:cNvPicPr>
+            <a:picLocks noChangeAspect="1"/>
+          </p:cNvPicPr>
+          <p:nvPr/>
+        </p:nvPicPr>
+        <p:blipFill>
+          <a:blip r:embed="rId4" cstate="print">
+            <a:extLst>
+              <a:ext uri="{28A0092B-C50C-407E-A947-70E740481C1C}">
+                <a14:useLocalDpi xmlns:a14="http://schemas.microsoft.com/office/drawing/2010/main" val="0"/>
+              </a:ext>
+            </a:extLst>
+          </a:blip>
+          <a:stretch>
+            <a:fillRect/>
+          </a:stretch>
+        </p:blipFill>
+        <p:spPr>
+          <a:xfrm>
+            <a:off x="8498441" y="2115312"/>
+            <a:ext cx="1746986" cy="3600000"/>
+          </a:xfrm>
+          <a:prstGeom prst="rect">
+            <a:avLst/>
+          </a:prstGeom>
+        </p:spPr>
+      </p:pic>
+      <p:sp>
+        <p:nvSpPr>
+          <p:cNvPr id="25" name="TextBox 24">
+            <a:extLst>
+              <a:ext uri="{FF2B5EF4-FFF2-40B4-BE49-F238E27FC236}">
+                <a16:creationId xmlns:a16="http://schemas.microsoft.com/office/drawing/2014/main" id="{AEFC2430-98B4-481B-BD76-49AB2BDCA709}"/>
+              </a:ext>
+            </a:extLst>
+          </p:cNvPr>
+          <p:cNvSpPr txBox="1"/>
+          <p:nvPr/>
+        </p:nvSpPr>
+        <p:spPr>
+          <a:xfrm>
+            <a:off x="2079403" y="5786641"/>
+            <a:ext cx="1481328" cy="369332"/>
+          </a:xfrm>
+          <a:prstGeom prst="rect">
+            <a:avLst/>
+          </a:prstGeom>
+          <a:noFill/>
+        </p:spPr>
+        <p:txBody>
+          <a:bodyPr wrap="square" rtlCol="0">
+            <a:spAutoFit/>
+          </a:bodyPr>
+          <a:lstStyle/>
+          <a:p>
+            <a:pPr algn="ctr"/>
+            <a:r>
+              <a:rPr lang="ko-KR" altLang="en-US" b="1" dirty="0"/>
+              <a:t>로그인 화면</a:t>
+            </a:r>
+          </a:p>
+        </p:txBody>
+      </p:sp>
+      <p:sp>
+        <p:nvSpPr>
+          <p:cNvPr id="27" name="TextBox 26">
+            <a:extLst>
+              <a:ext uri="{FF2B5EF4-FFF2-40B4-BE49-F238E27FC236}">
+                <a16:creationId xmlns:a16="http://schemas.microsoft.com/office/drawing/2014/main" id="{7C470B5E-6388-4EEF-8854-E59ACDB26E9C}"/>
+              </a:ext>
+            </a:extLst>
+          </p:cNvPr>
+          <p:cNvSpPr txBox="1"/>
+          <p:nvPr/>
+        </p:nvSpPr>
+        <p:spPr>
+          <a:xfrm>
+            <a:off x="5350462" y="5786641"/>
+            <a:ext cx="1481328" cy="369332"/>
+          </a:xfrm>
+          <a:prstGeom prst="rect">
+            <a:avLst/>
+          </a:prstGeom>
+          <a:noFill/>
+        </p:spPr>
+        <p:txBody>
+          <a:bodyPr wrap="square" rtlCol="0">
+            <a:spAutoFit/>
+          </a:bodyPr>
+          <a:lstStyle/>
+          <a:p>
+            <a:pPr algn="ctr"/>
+            <a:r>
+              <a:rPr lang="ko-KR" altLang="en-US" b="1" dirty="0"/>
+              <a:t>홈 화면</a:t>
+            </a:r>
+          </a:p>
+        </p:txBody>
+      </p:sp>
+      <p:sp>
+        <p:nvSpPr>
+          <p:cNvPr id="29" name="TextBox 28">
+            <a:extLst>
+              <a:ext uri="{FF2B5EF4-FFF2-40B4-BE49-F238E27FC236}">
+                <a16:creationId xmlns:a16="http://schemas.microsoft.com/office/drawing/2014/main" id="{522F1AC3-1B5D-4094-9D6A-19264185EAB9}"/>
+              </a:ext>
+            </a:extLst>
+          </p:cNvPr>
+          <p:cNvSpPr txBox="1"/>
+          <p:nvPr/>
+        </p:nvSpPr>
+        <p:spPr>
+          <a:xfrm>
+            <a:off x="8631271" y="5786641"/>
+            <a:ext cx="1481328" cy="646331"/>
+          </a:xfrm>
+          <a:prstGeom prst="rect">
+            <a:avLst/>
+          </a:prstGeom>
+          <a:noFill/>
+        </p:spPr>
+        <p:txBody>
+          <a:bodyPr wrap="square" rtlCol="0">
+            <a:spAutoFit/>
+          </a:bodyPr>
+          <a:lstStyle/>
+          <a:p>
+            <a:pPr algn="ctr"/>
+            <a:r>
+              <a:rPr lang="ko-KR" altLang="en-US" b="1" dirty="0"/>
+              <a:t>홈 화면</a:t>
+            </a:r>
+            <a:endParaRPr lang="en-US" altLang="ko-KR" b="1" dirty="0"/>
+          </a:p>
+          <a:p>
+            <a:pPr algn="ctr"/>
+            <a:r>
+              <a:rPr lang="en-US" altLang="ko-KR" b="1" dirty="0"/>
+              <a:t>- </a:t>
+            </a:r>
+            <a:r>
+              <a:rPr lang="ko-KR" altLang="en-US" b="1" dirty="0"/>
+              <a:t>지도 검색</a:t>
+            </a:r>
+          </a:p>
+        </p:txBody>
+      </p:sp>
     </p:spTree>
     <p:extLst>
       <p:ext uri="{BB962C8B-B14F-4D97-AF65-F5344CB8AC3E}">
@@ -10896,16 +11046,6 @@
                 </a:lnSpc>
               </a:pPr>
               <a:r>
-                <a:rPr lang="ko-KR" altLang="en-US" sz="2500" b="1" dirty="0" err="1">
-                  <a:solidFill>
-                    <a:prstClr val="white">
-                      <a:lumMod val="50000"/>
-                    </a:prstClr>
-                  </a:solidFill>
-                </a:rPr>
-                <a:t>앱화면</a:t>
-              </a:r>
-              <a:r>
                 <a:rPr lang="ko-KR" altLang="en-US" sz="2500" b="1" dirty="0">
                   <a:solidFill>
                     <a:prstClr val="white">
@@ -10913,7 +11053,7 @@
                     </a:prstClr>
                   </a:solidFill>
                 </a:rPr>
-                <a:t> 구성 </a:t>
+                <a:t>앱 화면 구성 </a:t>
               </a:r>
               <a:r>
                 <a:rPr lang="en-US" altLang="ko-KR" sz="2500" b="1" dirty="0">
@@ -11007,10 +11147,10 @@
       </p:grpSp>
       <p:pic>
         <p:nvPicPr>
-          <p:cNvPr id="5" name="그림 4">
+          <p:cNvPr id="20" name="그림 19">
             <a:extLst>
               <a:ext uri="{FF2B5EF4-FFF2-40B4-BE49-F238E27FC236}">
-                <a16:creationId xmlns:a16="http://schemas.microsoft.com/office/drawing/2014/main" id="{BEDDF8D1-E8BE-4B87-ABCC-14071CC72C68}"/>
+                <a16:creationId xmlns:a16="http://schemas.microsoft.com/office/drawing/2014/main" id="{C6561A29-AE2F-404B-99C2-A75CC16EA003}"/>
               </a:ext>
             </a:extLst>
           </p:cNvPr>
@@ -11020,25 +11160,149 @@
           <p:nvPr/>
         </p:nvPicPr>
         <p:blipFill>
-          <a:blip r:embed="rId2"/>
-          <a:stretch>
-            <a:fillRect/>
-          </a:stretch>
+          <a:blip r:embed="rId2" cstate="print">
+            <a:extLst>
+              <a:ext uri="{28A0092B-C50C-407E-A947-70E740481C1C}">
+                <a14:useLocalDpi xmlns:a14="http://schemas.microsoft.com/office/drawing/2010/main" val="0"/>
+              </a:ext>
+            </a:extLst>
+          </a:blip>
+          <a:srcRect/>
+          <a:stretch/>
         </p:blipFill>
         <p:spPr>
           <a:xfrm>
-            <a:off x="1402270" y="1859317"/>
-            <a:ext cx="9722930" cy="4370821"/>
+            <a:off x="2559222" y="2115312"/>
+            <a:ext cx="1746986" cy="3599999"/>
           </a:xfrm>
           <a:prstGeom prst="rect">
             <a:avLst/>
           </a:prstGeom>
         </p:spPr>
       </p:pic>
+      <p:pic>
+        <p:nvPicPr>
+          <p:cNvPr id="22" name="그림 21">
+            <a:extLst>
+              <a:ext uri="{FF2B5EF4-FFF2-40B4-BE49-F238E27FC236}">
+                <a16:creationId xmlns:a16="http://schemas.microsoft.com/office/drawing/2014/main" id="{B3DBC37E-5259-4112-B69E-227FCB85E697}"/>
+              </a:ext>
+            </a:extLst>
+          </p:cNvPr>
+          <p:cNvPicPr>
+            <a:picLocks noChangeAspect="1"/>
+          </p:cNvPicPr>
+          <p:nvPr/>
+        </p:nvPicPr>
+        <p:blipFill>
+          <a:blip r:embed="rId3" cstate="print">
+            <a:extLst>
+              <a:ext uri="{28A0092B-C50C-407E-A947-70E740481C1C}">
+                <a14:useLocalDpi xmlns:a14="http://schemas.microsoft.com/office/drawing/2010/main" val="0"/>
+              </a:ext>
+            </a:extLst>
+          </a:blip>
+          <a:srcRect/>
+          <a:stretch/>
+        </p:blipFill>
+        <p:spPr>
+          <a:xfrm>
+            <a:off x="8018623" y="2115312"/>
+            <a:ext cx="1746986" cy="3599999"/>
+          </a:xfrm>
+          <a:prstGeom prst="rect">
+            <a:avLst/>
+          </a:prstGeom>
+        </p:spPr>
+      </p:pic>
+      <p:sp>
+        <p:nvSpPr>
+          <p:cNvPr id="25" name="TextBox 24">
+            <a:extLst>
+              <a:ext uri="{FF2B5EF4-FFF2-40B4-BE49-F238E27FC236}">
+                <a16:creationId xmlns:a16="http://schemas.microsoft.com/office/drawing/2014/main" id="{AEFC2430-98B4-481B-BD76-49AB2BDCA709}"/>
+              </a:ext>
+            </a:extLst>
+          </p:cNvPr>
+          <p:cNvSpPr txBox="1"/>
+          <p:nvPr/>
+        </p:nvSpPr>
+        <p:spPr>
+          <a:xfrm>
+            <a:off x="2692051" y="5786641"/>
+            <a:ext cx="1481328" cy="646331"/>
+          </a:xfrm>
+          <a:prstGeom prst="rect">
+            <a:avLst/>
+          </a:prstGeom>
+          <a:noFill/>
+        </p:spPr>
+        <p:txBody>
+          <a:bodyPr wrap="square" rtlCol="0">
+            <a:spAutoFit/>
+          </a:bodyPr>
+          <a:lstStyle/>
+          <a:p>
+            <a:pPr algn="ctr"/>
+            <a:r>
+              <a:rPr lang="ko-KR" altLang="en-US" b="1" dirty="0"/>
+              <a:t>홈 화면</a:t>
+            </a:r>
+            <a:endParaRPr lang="en-US" altLang="ko-KR" b="1" dirty="0"/>
+          </a:p>
+          <a:p>
+            <a:pPr algn="ctr"/>
+            <a:r>
+              <a:rPr lang="en-US" altLang="ko-KR" b="1" dirty="0"/>
+              <a:t>- </a:t>
+            </a:r>
+            <a:r>
+              <a:rPr lang="ko-KR" altLang="en-US" b="1" dirty="0"/>
+              <a:t>상세 화면</a:t>
+            </a:r>
+          </a:p>
+        </p:txBody>
+      </p:sp>
+      <p:sp>
+        <p:nvSpPr>
+          <p:cNvPr id="27" name="TextBox 26">
+            <a:extLst>
+              <a:ext uri="{FF2B5EF4-FFF2-40B4-BE49-F238E27FC236}">
+                <a16:creationId xmlns:a16="http://schemas.microsoft.com/office/drawing/2014/main" id="{7C470B5E-6388-4EEF-8854-E59ACDB26E9C}"/>
+              </a:ext>
+            </a:extLst>
+          </p:cNvPr>
+          <p:cNvSpPr txBox="1"/>
+          <p:nvPr/>
+        </p:nvSpPr>
+        <p:spPr>
+          <a:xfrm>
+            <a:off x="8151452" y="5786641"/>
+            <a:ext cx="1481328" cy="369332"/>
+          </a:xfrm>
+          <a:prstGeom prst="rect">
+            <a:avLst/>
+          </a:prstGeom>
+          <a:noFill/>
+        </p:spPr>
+        <p:txBody>
+          <a:bodyPr wrap="square" rtlCol="0">
+            <a:spAutoFit/>
+          </a:bodyPr>
+          <a:lstStyle/>
+          <a:p>
+            <a:pPr algn="ctr"/>
+            <a:r>
+              <a:rPr lang="ko-KR" altLang="en-US" b="1" dirty="0"/>
+              <a:t>결제 화면</a:t>
+            </a:r>
+          </a:p>
+        </p:txBody>
+      </p:sp>
     </p:spTree>
     <p:extLst>
       <p:ext uri="{BB962C8B-B14F-4D97-AF65-F5344CB8AC3E}">
-        <p14:creationId xmlns:p14="http://schemas.microsoft.com/office/powerpoint/2010/main" val="2150143104"/>
+        <p14:creationId xmlns:p14="http://schemas.microsoft.com/office/powerpoint/2010/main" val="3057969806"/>
       </p:ext>
     </p:extLst>
   </p:cSld>
@@ -11572,16 +11836,6 @@
                 </a:lnSpc>
               </a:pPr>
               <a:r>
-                <a:rPr lang="ko-KR" altLang="en-US" sz="2500" b="1" dirty="0" err="1">
-                  <a:solidFill>
-                    <a:prstClr val="white">
-                      <a:lumMod val="50000"/>
-                    </a:prstClr>
-                  </a:solidFill>
-                </a:rPr>
-                <a:t>앱화면</a:t>
-              </a:r>
-              <a:r>
                 <a:rPr lang="ko-KR" altLang="en-US" sz="2500" b="1" dirty="0">
                   <a:solidFill>
                     <a:prstClr val="white">
@@ -11589,7 +11843,7 @@
                     </a:prstClr>
                   </a:solidFill>
                 </a:rPr>
-                <a:t> 구성 </a:t>
+                <a:t>앱 화면 구성 </a:t>
               </a:r>
               <a:r>
                 <a:rPr lang="en-US" altLang="ko-KR" sz="2500" b="1" dirty="0">
@@ -11683,10 +11937,10 @@
       </p:grpSp>
       <p:pic>
         <p:nvPicPr>
-          <p:cNvPr id="10" name="그림 9">
+          <p:cNvPr id="20" name="그림 19">
             <a:extLst>
               <a:ext uri="{FF2B5EF4-FFF2-40B4-BE49-F238E27FC236}">
-                <a16:creationId xmlns:a16="http://schemas.microsoft.com/office/drawing/2014/main" id="{3F58B9C2-8D96-4D88-BF30-84C07A127CAF}"/>
+                <a16:creationId xmlns:a16="http://schemas.microsoft.com/office/drawing/2014/main" id="{C6561A29-AE2F-404B-99C2-A75CC16EA003}"/>
               </a:ext>
             </a:extLst>
           </p:cNvPr>
@@ -11696,25 +11950,213 @@
           <p:nvPr/>
         </p:nvPicPr>
         <p:blipFill>
-          <a:blip r:embed="rId2"/>
-          <a:stretch>
-            <a:fillRect/>
-          </a:stretch>
+          <a:blip r:embed="rId2" cstate="print">
+            <a:extLst>
+              <a:ext uri="{28A0092B-C50C-407E-A947-70E740481C1C}">
+                <a14:useLocalDpi xmlns:a14="http://schemas.microsoft.com/office/drawing/2010/main" val="0"/>
+              </a:ext>
+            </a:extLst>
+          </a:blip>
+          <a:srcRect/>
+          <a:stretch/>
         </p:blipFill>
         <p:spPr>
           <a:xfrm>
-            <a:off x="1771014" y="2005998"/>
-            <a:ext cx="8165466" cy="4425282"/>
+            <a:off x="1946574" y="2115312"/>
+            <a:ext cx="1746986" cy="3599999"/>
           </a:xfrm>
           <a:prstGeom prst="rect">
             <a:avLst/>
           </a:prstGeom>
         </p:spPr>
       </p:pic>
+      <p:pic>
+        <p:nvPicPr>
+          <p:cNvPr id="22" name="그림 21">
+            <a:extLst>
+              <a:ext uri="{FF2B5EF4-FFF2-40B4-BE49-F238E27FC236}">
+                <a16:creationId xmlns:a16="http://schemas.microsoft.com/office/drawing/2014/main" id="{B3DBC37E-5259-4112-B69E-227FCB85E697}"/>
+              </a:ext>
+            </a:extLst>
+          </p:cNvPr>
+          <p:cNvPicPr>
+            <a:picLocks noChangeAspect="1"/>
+          </p:cNvPicPr>
+          <p:nvPr/>
+        </p:nvPicPr>
+        <p:blipFill>
+          <a:blip r:embed="rId3" cstate="print">
+            <a:extLst>
+              <a:ext uri="{28A0092B-C50C-407E-A947-70E740481C1C}">
+                <a14:useLocalDpi xmlns:a14="http://schemas.microsoft.com/office/drawing/2010/main" val="0"/>
+              </a:ext>
+            </a:extLst>
+          </a:blip>
+          <a:srcRect/>
+          <a:stretch/>
+        </p:blipFill>
+        <p:spPr>
+          <a:xfrm>
+            <a:off x="5217633" y="2115312"/>
+            <a:ext cx="1746986" cy="3599999"/>
+          </a:xfrm>
+          <a:prstGeom prst="rect">
+            <a:avLst/>
+          </a:prstGeom>
+        </p:spPr>
+      </p:pic>
+      <p:pic>
+        <p:nvPicPr>
+          <p:cNvPr id="24" name="그림 23">
+            <a:extLst>
+              <a:ext uri="{FF2B5EF4-FFF2-40B4-BE49-F238E27FC236}">
+                <a16:creationId xmlns:a16="http://schemas.microsoft.com/office/drawing/2014/main" id="{E7C9CA40-2CEF-4D56-B717-84EACF872F60}"/>
+              </a:ext>
+            </a:extLst>
+          </p:cNvPr>
+          <p:cNvPicPr>
+            <a:picLocks noChangeAspect="1"/>
+          </p:cNvPicPr>
+          <p:nvPr/>
+        </p:nvPicPr>
+        <p:blipFill>
+          <a:blip r:embed="rId4" cstate="print">
+            <a:extLst>
+              <a:ext uri="{28A0092B-C50C-407E-A947-70E740481C1C}">
+                <a14:useLocalDpi xmlns:a14="http://schemas.microsoft.com/office/drawing/2010/main" val="0"/>
+              </a:ext>
+            </a:extLst>
+          </a:blip>
+          <a:srcRect/>
+          <a:stretch/>
+        </p:blipFill>
+        <p:spPr>
+          <a:xfrm>
+            <a:off x="8498441" y="2115312"/>
+            <a:ext cx="1746986" cy="3599999"/>
+          </a:xfrm>
+          <a:prstGeom prst="rect">
+            <a:avLst/>
+          </a:prstGeom>
+        </p:spPr>
+      </p:pic>
+      <p:sp>
+        <p:nvSpPr>
+          <p:cNvPr id="25" name="TextBox 24">
+            <a:extLst>
+              <a:ext uri="{FF2B5EF4-FFF2-40B4-BE49-F238E27FC236}">
+                <a16:creationId xmlns:a16="http://schemas.microsoft.com/office/drawing/2014/main" id="{AEFC2430-98B4-481B-BD76-49AB2BDCA709}"/>
+              </a:ext>
+            </a:extLst>
+          </p:cNvPr>
+          <p:cNvSpPr txBox="1"/>
+          <p:nvPr/>
+        </p:nvSpPr>
+        <p:spPr>
+          <a:xfrm>
+            <a:off x="1962937" y="5786641"/>
+            <a:ext cx="1746985" cy="369332"/>
+          </a:xfrm>
+          <a:prstGeom prst="rect">
+            <a:avLst/>
+          </a:prstGeom>
+          <a:noFill/>
+        </p:spPr>
+        <p:txBody>
+          <a:bodyPr wrap="square" rtlCol="0">
+            <a:spAutoFit/>
+          </a:bodyPr>
+          <a:lstStyle/>
+          <a:p>
+            <a:pPr algn="ctr"/>
+            <a:r>
+              <a:rPr lang="ko-KR" altLang="en-US" b="1"/>
+              <a:t>즐겨찾기 </a:t>
+            </a:r>
+            <a:r>
+              <a:rPr lang="ko-KR" altLang="en-US" b="1" dirty="0"/>
+              <a:t>화면</a:t>
+            </a:r>
+          </a:p>
+        </p:txBody>
+      </p:sp>
+      <p:sp>
+        <p:nvSpPr>
+          <p:cNvPr id="27" name="TextBox 26">
+            <a:extLst>
+              <a:ext uri="{FF2B5EF4-FFF2-40B4-BE49-F238E27FC236}">
+                <a16:creationId xmlns:a16="http://schemas.microsoft.com/office/drawing/2014/main" id="{7C470B5E-6388-4EEF-8854-E59ACDB26E9C}"/>
+              </a:ext>
+            </a:extLst>
+          </p:cNvPr>
+          <p:cNvSpPr txBox="1"/>
+          <p:nvPr/>
+        </p:nvSpPr>
+        <p:spPr>
+          <a:xfrm>
+            <a:off x="5350462" y="5786641"/>
+            <a:ext cx="1481328" cy="369332"/>
+          </a:xfrm>
+          <a:prstGeom prst="rect">
+            <a:avLst/>
+          </a:prstGeom>
+          <a:noFill/>
+        </p:spPr>
+        <p:txBody>
+          <a:bodyPr wrap="square" rtlCol="0">
+            <a:spAutoFit/>
+          </a:bodyPr>
+          <a:lstStyle/>
+          <a:p>
+            <a:pPr algn="ctr"/>
+            <a:r>
+              <a:rPr lang="ko-KR" altLang="en-US" b="1" dirty="0"/>
+              <a:t>알림 화면</a:t>
+            </a:r>
+          </a:p>
+        </p:txBody>
+      </p:sp>
+      <p:sp>
+        <p:nvSpPr>
+          <p:cNvPr id="29" name="TextBox 28">
+            <a:extLst>
+              <a:ext uri="{FF2B5EF4-FFF2-40B4-BE49-F238E27FC236}">
+                <a16:creationId xmlns:a16="http://schemas.microsoft.com/office/drawing/2014/main" id="{522F1AC3-1B5D-4094-9D6A-19264185EAB9}"/>
+              </a:ext>
+            </a:extLst>
+          </p:cNvPr>
+          <p:cNvSpPr txBox="1"/>
+          <p:nvPr/>
+        </p:nvSpPr>
+        <p:spPr>
+          <a:xfrm>
+            <a:off x="8192025" y="5786641"/>
+            <a:ext cx="2359817" cy="369332"/>
+          </a:xfrm>
+          <a:prstGeom prst="rect">
+            <a:avLst/>
+          </a:prstGeom>
+          <a:noFill/>
+        </p:spPr>
+        <p:txBody>
+          <a:bodyPr wrap="square" rtlCol="0">
+            <a:spAutoFit/>
+          </a:bodyPr>
+          <a:lstStyle/>
+          <a:p>
+            <a:pPr algn="ctr"/>
+            <a:r>
+              <a:rPr lang="ko-KR" altLang="en-US" b="1"/>
+              <a:t>마이페이지 화면</a:t>
+            </a:r>
+            <a:endParaRPr lang="ko-KR" altLang="en-US" b="1" dirty="0"/>
+          </a:p>
+        </p:txBody>
+      </p:sp>
     </p:spTree>
     <p:extLst>
       <p:ext uri="{BB962C8B-B14F-4D97-AF65-F5344CB8AC3E}">
-        <p14:creationId xmlns:p14="http://schemas.microsoft.com/office/powerpoint/2010/main" val="3095711705"/>
+        <p14:creationId xmlns:p14="http://schemas.microsoft.com/office/powerpoint/2010/main" val="743688564"/>
       </p:ext>
     </p:extLst>
   </p:cSld>
